--- a/docs/presentations/Présentation_projet_ECU.pptx
+++ b/docs/presentations/Présentation_projet_ECU.pptx
@@ -5,7 +5,7 @@
     <p:sldMasterId id="2147483660" r:id="rId1"/>
   </p:sldMasterIdLst>
   <p:notesMasterIdLst>
-    <p:notesMasterId r:id="rId11"/>
+    <p:notesMasterId r:id="rId14"/>
   </p:notesMasterIdLst>
   <p:sldIdLst>
     <p:sldId id="258" r:id="rId2"/>
@@ -13,10 +13,13 @@
     <p:sldId id="261" r:id="rId4"/>
     <p:sldId id="262" r:id="rId5"/>
     <p:sldId id="263" r:id="rId6"/>
-    <p:sldId id="264" r:id="rId7"/>
-    <p:sldId id="265" r:id="rId8"/>
+    <p:sldId id="265" r:id="rId7"/>
+    <p:sldId id="264" r:id="rId8"/>
     <p:sldId id="260" r:id="rId9"/>
     <p:sldId id="259" r:id="rId10"/>
+    <p:sldId id="267" r:id="rId11"/>
+    <p:sldId id="268" r:id="rId12"/>
+    <p:sldId id="269" r:id="rId13"/>
   </p:sldIdLst>
   <p:sldSz cx="12192000" cy="6858000"/>
   <p:notesSz cx="6858000" cy="9144000"/>
@@ -235,7 +238,7 @@
           <a:p>
             <a:fld id="{53EF0D5A-B80D-BB44-BA2A-6877B513DF0D}" type="datetimeFigureOut">
               <a:rPr lang="fr-FR" smtClean="0"/>
-              <a:t>13/12/2023</a:t>
+              <a:t>14/12/2023</a:t>
             </a:fld>
             <a:endParaRPr lang="fr-FR"/>
           </a:p>
@@ -1093,6 +1096,155 @@
     <p:extLst>
       <p:ext uri="{BB962C8B-B14F-4D97-AF65-F5344CB8AC3E}">
         <p14:creationId xmlns:p14="http://schemas.microsoft.com/office/powerpoint/2010/main" val="4059264581"/>
+      </p:ext>
+    </p:extLst>
+  </p:cSld>
+  <p:clrMapOvr>
+    <a:masterClrMapping/>
+  </p:clrMapOvr>
+</p:notes>
+</file>
+
+<file path=ppt/notesSlides/notesSlide4.xml><?xml version="1.0" encoding="utf-8"?>
+<p:notes xmlns:a="http://schemas.openxmlformats.org/drawingml/2006/main" xmlns:r="http://schemas.openxmlformats.org/officeDocument/2006/relationships" xmlns:p="http://schemas.openxmlformats.org/presentationml/2006/main">
+  <p:cSld>
+    <p:spTree>
+      <p:nvGrpSpPr>
+        <p:cNvPr id="1" name=""/>
+        <p:cNvGrpSpPr/>
+        <p:nvPr/>
+      </p:nvGrpSpPr>
+      <p:grpSpPr>
+        <a:xfrm>
+          <a:off x="0" y="0"/>
+          <a:ext cx="0" cy="0"/>
+          <a:chOff x="0" y="0"/>
+          <a:chExt cx="0" cy="0"/>
+        </a:xfrm>
+      </p:grpSpPr>
+      <p:sp>
+        <p:nvSpPr>
+          <p:cNvPr id="2" name="Espace réservé de l'image des diapositives 1"/>
+          <p:cNvSpPr>
+            <a:spLocks noGrp="1" noRot="1" noChangeAspect="1"/>
+          </p:cNvSpPr>
+          <p:nvPr>
+            <p:ph type="sldImg"/>
+          </p:nvPr>
+        </p:nvSpPr>
+        <p:spPr/>
+      </p:sp>
+      <p:sp>
+        <p:nvSpPr>
+          <p:cNvPr id="3" name="Espace réservé des notes 2"/>
+          <p:cNvSpPr>
+            <a:spLocks noGrp="1"/>
+          </p:cNvSpPr>
+          <p:nvPr>
+            <p:ph type="body" idx="1"/>
+          </p:nvPr>
+        </p:nvSpPr>
+        <p:spPr/>
+        <p:txBody>
+          <a:bodyPr/>
+          <a:lstStyle/>
+          <a:p>
+            <a:r>
+              <a:rPr lang="fr-FR" dirty="0"/>
+              <a:t>Description de l'interface utilisateur (GUI) programmée :</a:t>
+            </a:r>
+          </a:p>
+          <a:p>
+            <a:endParaRPr lang="fr-FR" dirty="0"/>
+          </a:p>
+          <a:p>
+            <a:r>
+              <a:rPr lang="fr-FR" dirty="0"/>
+              <a:t>1. **Langage de Programmation :** L'interface a été développée en utilisant Python, tirant parti de sa flexibilité et de sa simplicité de mise en œuvre.</a:t>
+            </a:r>
+          </a:p>
+          <a:p>
+            <a:endParaRPr lang="fr-FR" dirty="0"/>
+          </a:p>
+          <a:p>
+            <a:r>
+              <a:rPr lang="fr-FR" dirty="0"/>
+              <a:t>2. **Bibliothèque Graphique :** Pour la création de l'interface graphique, nous avons opté pour </a:t>
+            </a:r>
+            <a:r>
+              <a:rPr lang="fr-FR" dirty="0" err="1"/>
+              <a:t>tkinter</a:t>
+            </a:r>
+            <a:r>
+              <a:rPr lang="fr-FR" dirty="0"/>
+              <a:t>, une bibliothèque intégrée à Python, reconnue pour sa facilité d'utilisation et son efficacité dans la conception d'interfaces utilisateur.</a:t>
+            </a:r>
+          </a:p>
+          <a:p>
+            <a:endParaRPr lang="fr-FR" dirty="0"/>
+          </a:p>
+          <a:p>
+            <a:r>
+              <a:rPr lang="fr-FR" dirty="0"/>
+              <a:t>3. **Architecture Modèle-Contrôleur-Vue (MCV) :** La structure de l'interface suit le modèle MCV, séparant clairement la logique métier (Modèle), le traitement des données (Contrôleur) et la représentation graphique (Vue). Cette approche favorise la maintenabilité et l'évolutivité du code.</a:t>
+            </a:r>
+          </a:p>
+          <a:p>
+            <a:endParaRPr lang="fr-FR" dirty="0"/>
+          </a:p>
+          <a:p>
+            <a:r>
+              <a:rPr lang="fr-FR" dirty="0"/>
+              <a:t>4. **Utilisation de Design Patterns :** Dans le cadre du développement, nous avons intégré des motifs de conception (design patterns) afin d'optimiser la réutilisabilité du code, d'améliorer la lisibilité et de simplifier la maintenance.</a:t>
+            </a:r>
+          </a:p>
+          <a:p>
+            <a:endParaRPr lang="fr-FR" dirty="0"/>
+          </a:p>
+          <a:p>
+            <a:r>
+              <a:rPr lang="fr-FR" dirty="0"/>
+              <a:t>5. **Démonstration :** Pour illustrer les fonctionnalités de l'interface, une démonstration sera présentée, mettant en avant la convivialité de la conception, la fluidité des interactions et la clarté des informations affichées.</a:t>
+            </a:r>
+          </a:p>
+          <a:p>
+            <a:endParaRPr lang="fr-FR" dirty="0"/>
+          </a:p>
+          <a:p>
+            <a:r>
+              <a:rPr lang="fr-FR" dirty="0"/>
+              <a:t>Ces choix techniques et conceptuels visent à garantir une expérience utilisateur optimale tout en assurant la robustesse et la flexibilité du système.</a:t>
+            </a:r>
+          </a:p>
+        </p:txBody>
+      </p:sp>
+      <p:sp>
+        <p:nvSpPr>
+          <p:cNvPr id="4" name="Espace réservé du numéro de diapositive 3"/>
+          <p:cNvSpPr>
+            <a:spLocks noGrp="1"/>
+          </p:cNvSpPr>
+          <p:nvPr>
+            <p:ph type="sldNum" sz="quarter" idx="5"/>
+          </p:nvPr>
+        </p:nvSpPr>
+        <p:spPr/>
+        <p:txBody>
+          <a:bodyPr/>
+          <a:lstStyle/>
+          <a:p>
+            <a:fld id="{40E15B6E-6AF1-BC4D-8ABE-5709E812CA94}" type="slidenum">
+              <a:rPr lang="fr-FR" smtClean="0"/>
+              <a:t>6</a:t>
+            </a:fld>
+            <a:endParaRPr lang="fr-FR"/>
+          </a:p>
+        </p:txBody>
+      </p:sp>
+    </p:spTree>
+    <p:extLst>
+      <p:ext uri="{BB962C8B-B14F-4D97-AF65-F5344CB8AC3E}">
+        <p14:creationId xmlns:p14="http://schemas.microsoft.com/office/powerpoint/2010/main" val="4051913985"/>
       </p:ext>
     </p:extLst>
   </p:cSld>
@@ -24607,6 +24759,977 @@
 </p:sld>
 </file>
 
+<file path=ppt/slides/slide10.xml><?xml version="1.0" encoding="utf-8"?>
+<p:sld xmlns:a="http://schemas.openxmlformats.org/drawingml/2006/main" xmlns:r="http://schemas.openxmlformats.org/officeDocument/2006/relationships" xmlns:p="http://schemas.openxmlformats.org/presentationml/2006/main">
+  <p:cSld>
+    <p:spTree>
+      <p:nvGrpSpPr>
+        <p:cNvPr id="1" name=""/>
+        <p:cNvGrpSpPr/>
+        <p:nvPr/>
+      </p:nvGrpSpPr>
+      <p:grpSpPr>
+        <a:xfrm>
+          <a:off x="0" y="0"/>
+          <a:ext cx="0" cy="0"/>
+          <a:chOff x="0" y="0"/>
+          <a:chExt cx="0" cy="0"/>
+        </a:xfrm>
+      </p:grpSpPr>
+      <p:sp>
+        <p:nvSpPr>
+          <p:cNvPr id="2" name="Titre 1">
+            <a:extLst>
+              <a:ext uri="{FF2B5EF4-FFF2-40B4-BE49-F238E27FC236}">
+                <a16:creationId xmlns:a16="http://schemas.microsoft.com/office/drawing/2014/main" id="{542BEA0D-146D-FEF2-854D-A4A490D8FF27}"/>
+              </a:ext>
+            </a:extLst>
+          </p:cNvPr>
+          <p:cNvSpPr>
+            <a:spLocks noGrp="1"/>
+          </p:cNvSpPr>
+          <p:nvPr>
+            <p:ph type="title"/>
+          </p:nvPr>
+        </p:nvSpPr>
+        <p:spPr>
+          <a:xfrm>
+            <a:off x="241300" y="225425"/>
+            <a:ext cx="11707813" cy="638175"/>
+          </a:xfrm>
+        </p:spPr>
+        <p:txBody>
+          <a:bodyPr/>
+          <a:lstStyle/>
+          <a:p>
+            <a:r>
+              <a:rPr lang="fr-FR" sz="3200" b="1" kern="100" dirty="0">
+                <a:solidFill>
+                  <a:schemeClr val="accent2"/>
+                </a:solidFill>
+                <a:effectLst/>
+                <a:latin typeface="Calibri" panose="020F0502020204030204" pitchFamily="34" charset="0"/>
+                <a:ea typeface="Calibri" panose="020F0502020204030204" pitchFamily="34" charset="0"/>
+                <a:cs typeface="Times New Roman" panose="02020603050405020304" pitchFamily="18" charset="0"/>
+              </a:rPr>
+              <a:t>3 – Orientations à mener pour la finalisation du projet</a:t>
+            </a:r>
+            <a:endParaRPr lang="fr-FR" dirty="0"/>
+          </a:p>
+        </p:txBody>
+      </p:sp>
+      <p:sp>
+        <p:nvSpPr>
+          <p:cNvPr id="5" name="Espace réservé du numéro de diapositive 4">
+            <a:extLst>
+              <a:ext uri="{FF2B5EF4-FFF2-40B4-BE49-F238E27FC236}">
+                <a16:creationId xmlns:a16="http://schemas.microsoft.com/office/drawing/2014/main" id="{D87BE7CF-B5D7-B2EB-EA4A-CEBDED151F86}"/>
+              </a:ext>
+            </a:extLst>
+          </p:cNvPr>
+          <p:cNvSpPr>
+            <a:spLocks noGrp="1"/>
+          </p:cNvSpPr>
+          <p:nvPr>
+            <p:ph type="sldNum" sz="quarter" idx="12"/>
+          </p:nvPr>
+        </p:nvSpPr>
+        <p:spPr/>
+        <p:txBody>
+          <a:bodyPr/>
+          <a:lstStyle/>
+          <a:p>
+            <a:fld id="{D5109E06-06E1-4D94-9DE5-FEB159EA0CA0}" type="slidenum">
+              <a:rPr lang="fr-FR" smtClean="0"/>
+              <a:t>10</a:t>
+            </a:fld>
+            <a:endParaRPr lang="fr-FR"/>
+          </a:p>
+        </p:txBody>
+      </p:sp>
+      <p:sp>
+        <p:nvSpPr>
+          <p:cNvPr id="6" name="Espace réservé de la date 3">
+            <a:extLst>
+              <a:ext uri="{FF2B5EF4-FFF2-40B4-BE49-F238E27FC236}">
+                <a16:creationId xmlns:a16="http://schemas.microsoft.com/office/drawing/2014/main" id="{D11B69A2-324E-6CD6-9721-B2A76ED8FF5A}"/>
+              </a:ext>
+            </a:extLst>
+          </p:cNvPr>
+          <p:cNvSpPr>
+            <a:spLocks noGrp="1"/>
+          </p:cNvSpPr>
+          <p:nvPr>
+            <p:ph type="dt" sz="half" idx="10"/>
+          </p:nvPr>
+        </p:nvSpPr>
+        <p:spPr>
+          <a:xfrm>
+            <a:off x="939890" y="6334251"/>
+            <a:ext cx="952500" cy="365125"/>
+          </a:xfrm>
+        </p:spPr>
+        <p:txBody>
+          <a:bodyPr/>
+          <a:lstStyle/>
+          <a:p>
+            <a:r>
+              <a:rPr lang="fr-FR" dirty="0"/>
+              <a:t>14/12/2023</a:t>
+            </a:r>
+          </a:p>
+        </p:txBody>
+      </p:sp>
+      <p:sp>
+        <p:nvSpPr>
+          <p:cNvPr id="7" name="Titre 1">
+            <a:extLst>
+              <a:ext uri="{FF2B5EF4-FFF2-40B4-BE49-F238E27FC236}">
+                <a16:creationId xmlns:a16="http://schemas.microsoft.com/office/drawing/2014/main" id="{8502534F-1944-3F2D-AF27-A4D80E189878}"/>
+              </a:ext>
+            </a:extLst>
+          </p:cNvPr>
+          <p:cNvSpPr txBox="1">
+            <a:spLocks/>
+          </p:cNvSpPr>
+          <p:nvPr/>
+        </p:nvSpPr>
+        <p:spPr bwMode="auto">
+          <a:xfrm>
+            <a:off x="484187" y="673672"/>
+            <a:ext cx="6216239" cy="607695"/>
+          </a:xfrm>
+          <a:prstGeom prst="rect">
+            <a:avLst/>
+          </a:prstGeom>
+          <a:noFill/>
+          <a:ln w="9525">
+            <a:noFill/>
+            <a:miter lim="800000"/>
+            <a:headEnd/>
+            <a:tailEnd/>
+          </a:ln>
+        </p:spPr>
+        <p:txBody>
+          <a:bodyPr vert="horz" wrap="square" lIns="91440" tIns="45720" rIns="91440" bIns="45720" numCol="1" anchor="t" anchorCtr="0" compatLnSpc="1">
+            <a:prstTxWarp prst="textNoShape">
+              <a:avLst/>
+            </a:prstTxWarp>
+          </a:bodyPr>
+          <a:lstStyle>
+            <a:lvl1pPr algn="l" rtl="0" eaLnBrk="1" fontAlgn="base" hangingPunct="1">
+              <a:lnSpc>
+                <a:spcPct val="90000"/>
+              </a:lnSpc>
+              <a:spcBef>
+                <a:spcPct val="0"/>
+              </a:spcBef>
+              <a:spcAft>
+                <a:spcPct val="0"/>
+              </a:spcAft>
+              <a:defRPr lang="fr-FR" sz="3200" b="1" kern="1200">
+                <a:solidFill>
+                  <a:srgbClr val="005E6A"/>
+                </a:solidFill>
+                <a:latin typeface="Segoe UI" panose="020B0502040204020203" pitchFamily="34" charset="0"/>
+                <a:ea typeface="+mj-ea"/>
+                <a:cs typeface="+mj-cs"/>
+              </a:defRPr>
+            </a:lvl1pPr>
+            <a:lvl2pPr algn="l" rtl="0" eaLnBrk="1" fontAlgn="base" hangingPunct="1">
+              <a:lnSpc>
+                <a:spcPct val="90000"/>
+              </a:lnSpc>
+              <a:spcBef>
+                <a:spcPct val="0"/>
+              </a:spcBef>
+              <a:spcAft>
+                <a:spcPct val="0"/>
+              </a:spcAft>
+              <a:defRPr sz="3200" b="1">
+                <a:solidFill>
+                  <a:srgbClr val="005E6A"/>
+                </a:solidFill>
+                <a:latin typeface="Segoe UI" panose="020B0502040204020203" pitchFamily="34" charset="0"/>
+              </a:defRPr>
+            </a:lvl2pPr>
+            <a:lvl3pPr algn="l" rtl="0" eaLnBrk="1" fontAlgn="base" hangingPunct="1">
+              <a:lnSpc>
+                <a:spcPct val="90000"/>
+              </a:lnSpc>
+              <a:spcBef>
+                <a:spcPct val="0"/>
+              </a:spcBef>
+              <a:spcAft>
+                <a:spcPct val="0"/>
+              </a:spcAft>
+              <a:defRPr sz="3200" b="1">
+                <a:solidFill>
+                  <a:srgbClr val="005E6A"/>
+                </a:solidFill>
+                <a:latin typeface="Segoe UI" panose="020B0502040204020203" pitchFamily="34" charset="0"/>
+              </a:defRPr>
+            </a:lvl3pPr>
+            <a:lvl4pPr algn="l" rtl="0" eaLnBrk="1" fontAlgn="base" hangingPunct="1">
+              <a:lnSpc>
+                <a:spcPct val="90000"/>
+              </a:lnSpc>
+              <a:spcBef>
+                <a:spcPct val="0"/>
+              </a:spcBef>
+              <a:spcAft>
+                <a:spcPct val="0"/>
+              </a:spcAft>
+              <a:defRPr sz="3200" b="1">
+                <a:solidFill>
+                  <a:srgbClr val="005E6A"/>
+                </a:solidFill>
+                <a:latin typeface="Segoe UI" panose="020B0502040204020203" pitchFamily="34" charset="0"/>
+              </a:defRPr>
+            </a:lvl4pPr>
+            <a:lvl5pPr algn="l" rtl="0" eaLnBrk="1" fontAlgn="base" hangingPunct="1">
+              <a:lnSpc>
+                <a:spcPct val="90000"/>
+              </a:lnSpc>
+              <a:spcBef>
+                <a:spcPct val="0"/>
+              </a:spcBef>
+              <a:spcAft>
+                <a:spcPct val="0"/>
+              </a:spcAft>
+              <a:defRPr sz="3200" b="1">
+                <a:solidFill>
+                  <a:srgbClr val="005E6A"/>
+                </a:solidFill>
+                <a:latin typeface="Segoe UI" panose="020B0502040204020203" pitchFamily="34" charset="0"/>
+              </a:defRPr>
+            </a:lvl5pPr>
+            <a:lvl6pPr marL="457200" algn="l" rtl="0" eaLnBrk="1" fontAlgn="base" hangingPunct="1">
+              <a:lnSpc>
+                <a:spcPct val="90000"/>
+              </a:lnSpc>
+              <a:spcBef>
+                <a:spcPct val="0"/>
+              </a:spcBef>
+              <a:spcAft>
+                <a:spcPct val="0"/>
+              </a:spcAft>
+              <a:defRPr sz="3200" b="1">
+                <a:solidFill>
+                  <a:srgbClr val="005E6A"/>
+                </a:solidFill>
+                <a:latin typeface="Segoe UI" panose="020B0502040204020203" pitchFamily="34" charset="0"/>
+              </a:defRPr>
+            </a:lvl6pPr>
+            <a:lvl7pPr marL="914400" algn="l" rtl="0" eaLnBrk="1" fontAlgn="base" hangingPunct="1">
+              <a:lnSpc>
+                <a:spcPct val="90000"/>
+              </a:lnSpc>
+              <a:spcBef>
+                <a:spcPct val="0"/>
+              </a:spcBef>
+              <a:spcAft>
+                <a:spcPct val="0"/>
+              </a:spcAft>
+              <a:defRPr sz="3200" b="1">
+                <a:solidFill>
+                  <a:srgbClr val="005E6A"/>
+                </a:solidFill>
+                <a:latin typeface="Segoe UI" panose="020B0502040204020203" pitchFamily="34" charset="0"/>
+              </a:defRPr>
+            </a:lvl7pPr>
+            <a:lvl8pPr marL="1371600" algn="l" rtl="0" eaLnBrk="1" fontAlgn="base" hangingPunct="1">
+              <a:lnSpc>
+                <a:spcPct val="90000"/>
+              </a:lnSpc>
+              <a:spcBef>
+                <a:spcPct val="0"/>
+              </a:spcBef>
+              <a:spcAft>
+                <a:spcPct val="0"/>
+              </a:spcAft>
+              <a:defRPr sz="3200" b="1">
+                <a:solidFill>
+                  <a:srgbClr val="005E6A"/>
+                </a:solidFill>
+                <a:latin typeface="Segoe UI" panose="020B0502040204020203" pitchFamily="34" charset="0"/>
+              </a:defRPr>
+            </a:lvl8pPr>
+            <a:lvl9pPr marL="1828800" algn="l" rtl="0" eaLnBrk="1" fontAlgn="base" hangingPunct="1">
+              <a:lnSpc>
+                <a:spcPct val="90000"/>
+              </a:lnSpc>
+              <a:spcBef>
+                <a:spcPct val="0"/>
+              </a:spcBef>
+              <a:spcAft>
+                <a:spcPct val="0"/>
+              </a:spcAft>
+              <a:defRPr sz="3200" b="1">
+                <a:solidFill>
+                  <a:srgbClr val="005E6A"/>
+                </a:solidFill>
+                <a:latin typeface="Segoe UI" panose="020B0502040204020203" pitchFamily="34" charset="0"/>
+              </a:defRPr>
+            </a:lvl9pPr>
+          </a:lstStyle>
+          <a:p>
+            <a:pPr marL="342900" lvl="0" indent="-342900">
+              <a:lnSpc>
+                <a:spcPct val="107000"/>
+              </a:lnSpc>
+              <a:buFont typeface="Wingdings" panose="05000000000000000000" pitchFamily="2" charset="2"/>
+              <a:buChar char="Ø"/>
+            </a:pPr>
+            <a:r>
+              <a:rPr lang="fr-FR" sz="2000" kern="100" dirty="0">
+                <a:solidFill>
+                  <a:schemeClr val="accent2"/>
+                </a:solidFill>
+                <a:effectLst/>
+                <a:latin typeface="Calibri" panose="020F0502020204030204" pitchFamily="34" charset="0"/>
+                <a:ea typeface="Calibri" panose="020F0502020204030204" pitchFamily="34" charset="0"/>
+                <a:cs typeface="Times New Roman" panose="02020603050405020304" pitchFamily="18" charset="0"/>
+              </a:rPr>
+              <a:t>Etude de l’architecture ARM du STM32</a:t>
+            </a:r>
+          </a:p>
+        </p:txBody>
+      </p:sp>
+      <p:pic>
+        <p:nvPicPr>
+          <p:cNvPr id="9" name="Image 8">
+            <a:extLst>
+              <a:ext uri="{FF2B5EF4-FFF2-40B4-BE49-F238E27FC236}">
+                <a16:creationId xmlns:a16="http://schemas.microsoft.com/office/drawing/2014/main" id="{47C072A5-65CA-927E-6417-496094D21895}"/>
+              </a:ext>
+            </a:extLst>
+          </p:cNvPr>
+          <p:cNvPicPr>
+            <a:picLocks noChangeAspect="1"/>
+          </p:cNvPicPr>
+          <p:nvPr/>
+        </p:nvPicPr>
+        <p:blipFill>
+          <a:blip r:embed="rId2"/>
+          <a:stretch>
+            <a:fillRect/>
+          </a:stretch>
+        </p:blipFill>
+        <p:spPr>
+          <a:xfrm>
+            <a:off x="1270000" y="1037816"/>
+            <a:ext cx="4141662" cy="5100709"/>
+          </a:xfrm>
+          <a:prstGeom prst="rect">
+            <a:avLst/>
+          </a:prstGeom>
+        </p:spPr>
+      </p:pic>
+      <p:sp>
+        <p:nvSpPr>
+          <p:cNvPr id="11" name="ZoneTexte 10">
+            <a:extLst>
+              <a:ext uri="{FF2B5EF4-FFF2-40B4-BE49-F238E27FC236}">
+                <a16:creationId xmlns:a16="http://schemas.microsoft.com/office/drawing/2014/main" id="{21EC38A6-714E-BAC2-0536-5BD4D502FA53}"/>
+              </a:ext>
+            </a:extLst>
+          </p:cNvPr>
+          <p:cNvSpPr txBox="1"/>
+          <p:nvPr/>
+        </p:nvSpPr>
+        <p:spPr>
+          <a:xfrm>
+            <a:off x="6383973" y="1037816"/>
+            <a:ext cx="5727700" cy="6186309"/>
+          </a:xfrm>
+          <a:prstGeom prst="rect">
+            <a:avLst/>
+          </a:prstGeom>
+          <a:noFill/>
+        </p:spPr>
+        <p:txBody>
+          <a:bodyPr wrap="square">
+            <a:spAutoFit/>
+          </a:bodyPr>
+          <a:lstStyle/>
+          <a:p>
+            <a:pPr algn="l">
+              <a:buFont typeface="+mj-lt"/>
+              <a:buAutoNum type="arabicPeriod"/>
+            </a:pPr>
+            <a:r>
+              <a:rPr lang="fr-FR" b="1" i="0" dirty="0">
+                <a:solidFill>
+                  <a:schemeClr val="accent2"/>
+                </a:solidFill>
+                <a:effectLst/>
+                <a:latin typeface="Söhne"/>
+              </a:rPr>
+              <a:t>Microcontrôleur STM32F407VET6:</a:t>
+            </a:r>
+            <a:endParaRPr lang="fr-FR" b="0" i="0" dirty="0">
+              <a:solidFill>
+                <a:schemeClr val="accent2"/>
+              </a:solidFill>
+              <a:effectLst/>
+              <a:latin typeface="Söhne"/>
+            </a:endParaRPr>
+          </a:p>
+          <a:p>
+            <a:pPr marL="742950" lvl="1" indent="-285750" algn="l">
+              <a:buFont typeface="Arial" panose="020B0604020202020204" pitchFamily="34" charset="0"/>
+              <a:buChar char="•"/>
+            </a:pPr>
+            <a:r>
+              <a:rPr lang="fr-FR" b="0" i="0" dirty="0">
+                <a:solidFill>
+                  <a:schemeClr val="accent2"/>
+                </a:solidFill>
+                <a:effectLst/>
+                <a:latin typeface="Söhne"/>
+              </a:rPr>
+              <a:t>Basé sur le noyau Arm Cortex-M4 avec une fréquence de travail de 168 MHz.</a:t>
+            </a:r>
+          </a:p>
+          <a:p>
+            <a:pPr marL="742950" lvl="1" indent="-285750" algn="l">
+              <a:buFont typeface="Arial" panose="020B0604020202020204" pitchFamily="34" charset="0"/>
+              <a:buChar char="•"/>
+            </a:pPr>
+            <a:r>
+              <a:rPr lang="fr-FR" dirty="0">
+                <a:solidFill>
+                  <a:schemeClr val="accent2"/>
+                </a:solidFill>
+                <a:latin typeface="Söhne"/>
+              </a:rPr>
+              <a:t>U</a:t>
+            </a:r>
+            <a:r>
+              <a:rPr lang="fr-FR" b="0" i="0" dirty="0">
+                <a:solidFill>
+                  <a:schemeClr val="accent2"/>
+                </a:solidFill>
+                <a:effectLst/>
+                <a:latin typeface="Söhne"/>
+              </a:rPr>
+              <a:t>nité de calcul en virgule flottante (FPU) et instructions de traitement du signal numérique (DSP).</a:t>
+            </a:r>
+          </a:p>
+          <a:p>
+            <a:pPr algn="l">
+              <a:buFont typeface="+mj-lt"/>
+              <a:buAutoNum type="arabicPeriod"/>
+            </a:pPr>
+            <a:r>
+              <a:rPr lang="fr-FR" b="1" i="0" dirty="0">
+                <a:solidFill>
+                  <a:schemeClr val="accent2"/>
+                </a:solidFill>
+                <a:effectLst/>
+                <a:latin typeface="Söhne"/>
+              </a:rPr>
+              <a:t>Mémoire:</a:t>
+            </a:r>
+            <a:endParaRPr lang="fr-FR" b="0" i="0" dirty="0">
+              <a:solidFill>
+                <a:schemeClr val="accent2"/>
+              </a:solidFill>
+              <a:effectLst/>
+              <a:latin typeface="Söhne"/>
+            </a:endParaRPr>
+          </a:p>
+          <a:p>
+            <a:pPr marL="742950" lvl="1" indent="-285750" algn="l">
+              <a:buFont typeface="Arial" panose="020B0604020202020204" pitchFamily="34" charset="0"/>
+              <a:buChar char="•"/>
+            </a:pPr>
+            <a:r>
+              <a:rPr lang="fr-FR" b="0" i="0" dirty="0">
+                <a:solidFill>
+                  <a:schemeClr val="accent2"/>
+                </a:solidFill>
+                <a:effectLst/>
+                <a:latin typeface="Söhne"/>
+              </a:rPr>
+              <a:t>512 Ko de mémoire Flash pour le stockage du programme.</a:t>
+            </a:r>
+          </a:p>
+          <a:p>
+            <a:pPr marL="742950" lvl="1" indent="-285750" algn="l">
+              <a:buFont typeface="Arial" panose="020B0604020202020204" pitchFamily="34" charset="0"/>
+              <a:buChar char="•"/>
+            </a:pPr>
+            <a:r>
+              <a:rPr lang="fr-FR" b="0" i="0" dirty="0">
+                <a:solidFill>
+                  <a:schemeClr val="accent2"/>
+                </a:solidFill>
+                <a:effectLst/>
+                <a:latin typeface="Söhne"/>
+              </a:rPr>
+              <a:t>192 + 4 Ko de SRAM pour le stockage temporaire des données.</a:t>
+            </a:r>
+          </a:p>
+          <a:p>
+            <a:pPr marL="742950" lvl="1" indent="-285750" algn="l">
+              <a:buFont typeface="Arial" panose="020B0604020202020204" pitchFamily="34" charset="0"/>
+              <a:buChar char="•"/>
+            </a:pPr>
+            <a:endParaRPr lang="fr-FR" b="0" i="0" dirty="0">
+              <a:solidFill>
+                <a:schemeClr val="accent2"/>
+              </a:solidFill>
+              <a:effectLst/>
+              <a:latin typeface="Söhne"/>
+            </a:endParaRPr>
+          </a:p>
+          <a:p>
+            <a:pPr algn="l">
+              <a:buFont typeface="+mj-lt"/>
+              <a:buAutoNum type="arabicPeriod"/>
+            </a:pPr>
+            <a:r>
+              <a:rPr lang="fr-FR" b="1" i="0" dirty="0">
+                <a:solidFill>
+                  <a:schemeClr val="accent2"/>
+                </a:solidFill>
+                <a:effectLst/>
+                <a:latin typeface="Söhne"/>
+              </a:rPr>
+              <a:t>Interfaces et Connectivité:</a:t>
+            </a:r>
+            <a:endParaRPr lang="fr-FR" dirty="0">
+              <a:solidFill>
+                <a:schemeClr val="accent2"/>
+              </a:solidFill>
+              <a:latin typeface="Söhne"/>
+            </a:endParaRPr>
+          </a:p>
+          <a:p>
+            <a:pPr marL="742950" lvl="1" indent="-285750">
+              <a:buFont typeface="Arial" panose="020B0604020202020204" pitchFamily="34" charset="0"/>
+              <a:buChar char="•"/>
+            </a:pPr>
+            <a:r>
+              <a:rPr lang="fr-FR" dirty="0">
+                <a:solidFill>
+                  <a:schemeClr val="accent2"/>
+                </a:solidFill>
+                <a:latin typeface="Söhne"/>
+              </a:rPr>
+              <a:t>USB, UART, I2C, SPI, CAN, Ethernet, Sorties PWM, Entrées analogiques (ADC), Comparateurs analogiques, GPIO, Connecteurs LCD, Broches capteurs</a:t>
+            </a:r>
+            <a:endParaRPr lang="fr-FR" b="1" i="0" dirty="0">
+              <a:solidFill>
+                <a:schemeClr val="accent2"/>
+              </a:solidFill>
+              <a:effectLst/>
+              <a:latin typeface="Söhne"/>
+            </a:endParaRPr>
+          </a:p>
+          <a:p>
+            <a:pPr algn="l"/>
+            <a:endParaRPr lang="fr-FR" b="1" i="0" dirty="0">
+              <a:solidFill>
+                <a:schemeClr val="accent2"/>
+              </a:solidFill>
+              <a:effectLst/>
+              <a:latin typeface="Söhne"/>
+            </a:endParaRPr>
+          </a:p>
+          <a:p>
+            <a:pPr algn="l"/>
+            <a:endParaRPr lang="fr-FR" b="1" i="0" dirty="0">
+              <a:solidFill>
+                <a:schemeClr val="accent2"/>
+              </a:solidFill>
+              <a:effectLst/>
+              <a:latin typeface="Söhne"/>
+            </a:endParaRPr>
+          </a:p>
+          <a:p>
+            <a:pPr algn="l"/>
+            <a:endParaRPr lang="fr-FR" b="1" i="0" dirty="0">
+              <a:solidFill>
+                <a:schemeClr val="accent2"/>
+              </a:solidFill>
+              <a:effectLst/>
+              <a:latin typeface="Söhne"/>
+            </a:endParaRPr>
+          </a:p>
+          <a:p>
+            <a:pPr algn="l"/>
+            <a:endParaRPr lang="fr-FR" b="1" i="0" dirty="0">
+              <a:solidFill>
+                <a:schemeClr val="accent2"/>
+              </a:solidFill>
+              <a:effectLst/>
+              <a:latin typeface="Söhne"/>
+            </a:endParaRPr>
+          </a:p>
+          <a:p>
+            <a:pPr algn="l"/>
+            <a:endParaRPr lang="fr-FR" b="1" i="0" dirty="0">
+              <a:solidFill>
+                <a:schemeClr val="accent2"/>
+              </a:solidFill>
+              <a:effectLst/>
+              <a:latin typeface="Söhne"/>
+            </a:endParaRPr>
+          </a:p>
+        </p:txBody>
+      </p:sp>
+      <p:pic>
+        <p:nvPicPr>
+          <p:cNvPr id="2051" name="Picture 3" descr="STM32F407VET6 Stmicroelectronics, MCU ARM, Ethernet MAC, Interface Caméra |  Farnell FR">
+            <a:extLst>
+              <a:ext uri="{FF2B5EF4-FFF2-40B4-BE49-F238E27FC236}">
+                <a16:creationId xmlns:a16="http://schemas.microsoft.com/office/drawing/2014/main" id="{6D563A1A-2A9F-7DEA-81D7-320DB8110CA0}"/>
+              </a:ext>
+            </a:extLst>
+          </p:cNvPr>
+          <p:cNvPicPr>
+            <a:picLocks noChangeAspect="1" noChangeArrowheads="1"/>
+          </p:cNvPicPr>
+          <p:nvPr/>
+        </p:nvPicPr>
+        <p:blipFill>
+          <a:blip r:embed="rId3">
+            <a:extLst>
+              <a:ext uri="{28A0092B-C50C-407E-A947-70E740481C1C}">
+                <a14:useLocalDpi xmlns:a14="http://schemas.microsoft.com/office/drawing/2010/main" val="0"/>
+              </a:ext>
+            </a:extLst>
+          </a:blip>
+          <a:srcRect/>
+          <a:stretch>
+            <a:fillRect/>
+          </a:stretch>
+        </p:blipFill>
+        <p:spPr bwMode="auto">
+          <a:xfrm>
+            <a:off x="10526983" y="145874"/>
+            <a:ext cx="1330051" cy="1055596"/>
+          </a:xfrm>
+          <a:prstGeom prst="rect">
+            <a:avLst/>
+          </a:prstGeom>
+          <a:noFill/>
+          <a:extLst>
+            <a:ext uri="{909E8E84-426E-40DD-AFC4-6F175D3DCCD1}">
+              <a14:hiddenFill xmlns:a14="http://schemas.microsoft.com/office/drawing/2010/main">
+                <a:solidFill>
+                  <a:srgbClr val="FFFFFF"/>
+                </a:solidFill>
+              </a14:hiddenFill>
+            </a:ext>
+          </a:extLst>
+        </p:spPr>
+      </p:pic>
+    </p:spTree>
+    <p:extLst>
+      <p:ext uri="{BB962C8B-B14F-4D97-AF65-F5344CB8AC3E}">
+        <p14:creationId xmlns:p14="http://schemas.microsoft.com/office/powerpoint/2010/main" val="3786124096"/>
+      </p:ext>
+    </p:extLst>
+  </p:cSld>
+  <p:clrMapOvr>
+    <a:masterClrMapping/>
+  </p:clrMapOvr>
+</p:sld>
+</file>
+
+<file path=ppt/slides/slide11.xml><?xml version="1.0" encoding="utf-8"?>
+<p:sld xmlns:a="http://schemas.openxmlformats.org/drawingml/2006/main" xmlns:r="http://schemas.openxmlformats.org/officeDocument/2006/relationships" xmlns:p="http://schemas.openxmlformats.org/presentationml/2006/main">
+  <p:cSld>
+    <p:spTree>
+      <p:nvGrpSpPr>
+        <p:cNvPr id="1" name=""/>
+        <p:cNvGrpSpPr/>
+        <p:nvPr/>
+      </p:nvGrpSpPr>
+      <p:grpSpPr>
+        <a:xfrm>
+          <a:off x="0" y="0"/>
+          <a:ext cx="0" cy="0"/>
+          <a:chOff x="0" y="0"/>
+          <a:chExt cx="0" cy="0"/>
+        </a:xfrm>
+      </p:grpSpPr>
+      <p:sp>
+        <p:nvSpPr>
+          <p:cNvPr id="2" name="Titre 1">
+            <a:extLst>
+              <a:ext uri="{FF2B5EF4-FFF2-40B4-BE49-F238E27FC236}">
+                <a16:creationId xmlns:a16="http://schemas.microsoft.com/office/drawing/2014/main" id="{542BEA0D-146D-FEF2-854D-A4A490D8FF27}"/>
+              </a:ext>
+            </a:extLst>
+          </p:cNvPr>
+          <p:cNvSpPr>
+            <a:spLocks noGrp="1"/>
+          </p:cNvSpPr>
+          <p:nvPr>
+            <p:ph type="title"/>
+          </p:nvPr>
+        </p:nvSpPr>
+        <p:spPr>
+          <a:xfrm>
+            <a:off x="241300" y="225425"/>
+            <a:ext cx="11707813" cy="638175"/>
+          </a:xfrm>
+        </p:spPr>
+        <p:txBody>
+          <a:bodyPr/>
+          <a:lstStyle/>
+          <a:p>
+            <a:r>
+              <a:rPr lang="fr-FR" sz="3200" b="1" kern="100" dirty="0">
+                <a:solidFill>
+                  <a:schemeClr val="accent2"/>
+                </a:solidFill>
+                <a:effectLst/>
+                <a:latin typeface="Calibri" panose="020F0502020204030204" pitchFamily="34" charset="0"/>
+                <a:ea typeface="Calibri" panose="020F0502020204030204" pitchFamily="34" charset="0"/>
+                <a:cs typeface="Times New Roman" panose="02020603050405020304" pitchFamily="18" charset="0"/>
+              </a:rPr>
+              <a:t>3 – Orientations à mener pour la finalisation du projet</a:t>
+            </a:r>
+            <a:endParaRPr lang="fr-FR" dirty="0"/>
+          </a:p>
+        </p:txBody>
+      </p:sp>
+      <p:sp>
+        <p:nvSpPr>
+          <p:cNvPr id="5" name="Espace réservé du numéro de diapositive 4">
+            <a:extLst>
+              <a:ext uri="{FF2B5EF4-FFF2-40B4-BE49-F238E27FC236}">
+                <a16:creationId xmlns:a16="http://schemas.microsoft.com/office/drawing/2014/main" id="{D87BE7CF-B5D7-B2EB-EA4A-CEBDED151F86}"/>
+              </a:ext>
+            </a:extLst>
+          </p:cNvPr>
+          <p:cNvSpPr>
+            <a:spLocks noGrp="1"/>
+          </p:cNvSpPr>
+          <p:nvPr>
+            <p:ph type="sldNum" sz="quarter" idx="12"/>
+          </p:nvPr>
+        </p:nvSpPr>
+        <p:spPr/>
+        <p:txBody>
+          <a:bodyPr/>
+          <a:lstStyle/>
+          <a:p>
+            <a:fld id="{D5109E06-06E1-4D94-9DE5-FEB159EA0CA0}" type="slidenum">
+              <a:rPr lang="fr-FR" smtClean="0"/>
+              <a:t>11</a:t>
+            </a:fld>
+            <a:endParaRPr lang="fr-FR"/>
+          </a:p>
+        </p:txBody>
+      </p:sp>
+      <p:sp>
+        <p:nvSpPr>
+          <p:cNvPr id="6" name="Espace réservé de la date 3">
+            <a:extLst>
+              <a:ext uri="{FF2B5EF4-FFF2-40B4-BE49-F238E27FC236}">
+                <a16:creationId xmlns:a16="http://schemas.microsoft.com/office/drawing/2014/main" id="{D11B69A2-324E-6CD6-9721-B2A76ED8FF5A}"/>
+              </a:ext>
+            </a:extLst>
+          </p:cNvPr>
+          <p:cNvSpPr>
+            <a:spLocks noGrp="1"/>
+          </p:cNvSpPr>
+          <p:nvPr>
+            <p:ph type="dt" sz="half" idx="10"/>
+          </p:nvPr>
+        </p:nvSpPr>
+        <p:spPr>
+          <a:xfrm>
+            <a:off x="939890" y="6334251"/>
+            <a:ext cx="952500" cy="365125"/>
+          </a:xfrm>
+        </p:spPr>
+        <p:txBody>
+          <a:bodyPr/>
+          <a:lstStyle/>
+          <a:p>
+            <a:r>
+              <a:rPr lang="fr-FR" dirty="0"/>
+              <a:t>14/12/2023</a:t>
+            </a:r>
+          </a:p>
+        </p:txBody>
+      </p:sp>
+      <p:pic>
+        <p:nvPicPr>
+          <p:cNvPr id="4" name="Image 3">
+            <a:extLst>
+              <a:ext uri="{FF2B5EF4-FFF2-40B4-BE49-F238E27FC236}">
+                <a16:creationId xmlns:a16="http://schemas.microsoft.com/office/drawing/2014/main" id="{2721B5ED-AA0A-F1F7-EA69-2F0686ECC9D0}"/>
+              </a:ext>
+            </a:extLst>
+          </p:cNvPr>
+          <p:cNvPicPr>
+            <a:picLocks noChangeAspect="1"/>
+          </p:cNvPicPr>
+          <p:nvPr/>
+        </p:nvPicPr>
+        <p:blipFill>
+          <a:blip r:embed="rId2"/>
+          <a:stretch>
+            <a:fillRect/>
+          </a:stretch>
+        </p:blipFill>
+        <p:spPr>
+          <a:xfrm>
+            <a:off x="2575716" y="863600"/>
+            <a:ext cx="7038979" cy="5287654"/>
+          </a:xfrm>
+          <a:prstGeom prst="rect">
+            <a:avLst/>
+          </a:prstGeom>
+        </p:spPr>
+      </p:pic>
+    </p:spTree>
+    <p:extLst>
+      <p:ext uri="{BB962C8B-B14F-4D97-AF65-F5344CB8AC3E}">
+        <p14:creationId xmlns:p14="http://schemas.microsoft.com/office/powerpoint/2010/main" val="2086541492"/>
+      </p:ext>
+    </p:extLst>
+  </p:cSld>
+  <p:clrMapOvr>
+    <a:masterClrMapping/>
+  </p:clrMapOvr>
+</p:sld>
+</file>
+
+<file path=ppt/slides/slide12.xml><?xml version="1.0" encoding="utf-8"?>
+<p:sld xmlns:a="http://schemas.openxmlformats.org/drawingml/2006/main" xmlns:r="http://schemas.openxmlformats.org/officeDocument/2006/relationships" xmlns:p="http://schemas.openxmlformats.org/presentationml/2006/main">
+  <p:cSld>
+    <p:spTree>
+      <p:nvGrpSpPr>
+        <p:cNvPr id="1" name=""/>
+        <p:cNvGrpSpPr/>
+        <p:nvPr/>
+      </p:nvGrpSpPr>
+      <p:grpSpPr>
+        <a:xfrm>
+          <a:off x="0" y="0"/>
+          <a:ext cx="0" cy="0"/>
+          <a:chOff x="0" y="0"/>
+          <a:chExt cx="0" cy="0"/>
+        </a:xfrm>
+      </p:grpSpPr>
+      <p:sp>
+        <p:nvSpPr>
+          <p:cNvPr id="2" name="Titre 1">
+            <a:extLst>
+              <a:ext uri="{FF2B5EF4-FFF2-40B4-BE49-F238E27FC236}">
+                <a16:creationId xmlns:a16="http://schemas.microsoft.com/office/drawing/2014/main" id="{85BBD773-CC50-A7E7-4440-F8EBD7347BC5}"/>
+              </a:ext>
+            </a:extLst>
+          </p:cNvPr>
+          <p:cNvSpPr>
+            <a:spLocks noGrp="1"/>
+          </p:cNvSpPr>
+          <p:nvPr>
+            <p:ph type="title"/>
+          </p:nvPr>
+        </p:nvSpPr>
+        <p:spPr>
+          <a:xfrm>
+            <a:off x="2869293" y="2565855"/>
+            <a:ext cx="6453414" cy="1325563"/>
+          </a:xfrm>
+        </p:spPr>
+        <p:txBody>
+          <a:bodyPr/>
+          <a:lstStyle/>
+          <a:p>
+            <a:r>
+              <a:rPr lang="fr-FR" sz="7200" dirty="0"/>
+              <a:t>CONCLUSION</a:t>
+            </a:r>
+          </a:p>
+        </p:txBody>
+      </p:sp>
+      <p:sp>
+        <p:nvSpPr>
+          <p:cNvPr id="5" name="Espace réservé du numéro de diapositive 4">
+            <a:extLst>
+              <a:ext uri="{FF2B5EF4-FFF2-40B4-BE49-F238E27FC236}">
+                <a16:creationId xmlns:a16="http://schemas.microsoft.com/office/drawing/2014/main" id="{F9D543F6-53C7-183E-63FB-C32300EAED4A}"/>
+              </a:ext>
+            </a:extLst>
+          </p:cNvPr>
+          <p:cNvSpPr>
+            <a:spLocks noGrp="1"/>
+          </p:cNvSpPr>
+          <p:nvPr>
+            <p:ph type="sldNum" sz="quarter" idx="12"/>
+          </p:nvPr>
+        </p:nvSpPr>
+        <p:spPr/>
+        <p:txBody>
+          <a:bodyPr/>
+          <a:lstStyle/>
+          <a:p>
+            <a:fld id="{D5109E06-06E1-4D94-9DE5-FEB159EA0CA0}" type="slidenum">
+              <a:rPr lang="fr-FR" smtClean="0"/>
+              <a:t>12</a:t>
+            </a:fld>
+            <a:endParaRPr lang="fr-FR"/>
+          </a:p>
+        </p:txBody>
+      </p:sp>
+      <p:sp>
+        <p:nvSpPr>
+          <p:cNvPr id="6" name="Espace réservé de la date 3">
+            <a:extLst>
+              <a:ext uri="{FF2B5EF4-FFF2-40B4-BE49-F238E27FC236}">
+                <a16:creationId xmlns:a16="http://schemas.microsoft.com/office/drawing/2014/main" id="{C603FB93-5D44-887F-EDB8-CF45A6BB240A}"/>
+              </a:ext>
+            </a:extLst>
+          </p:cNvPr>
+          <p:cNvSpPr>
+            <a:spLocks noGrp="1"/>
+          </p:cNvSpPr>
+          <p:nvPr>
+            <p:ph type="dt" sz="half" idx="10"/>
+          </p:nvPr>
+        </p:nvSpPr>
+        <p:spPr>
+          <a:xfrm>
+            <a:off x="939890" y="6334251"/>
+            <a:ext cx="952500" cy="365125"/>
+          </a:xfrm>
+        </p:spPr>
+        <p:txBody>
+          <a:bodyPr/>
+          <a:lstStyle/>
+          <a:p>
+            <a:r>
+              <a:rPr lang="fr-FR" dirty="0"/>
+              <a:t>14/12/2023</a:t>
+            </a:r>
+          </a:p>
+        </p:txBody>
+      </p:sp>
+    </p:spTree>
+    <p:extLst>
+      <p:ext uri="{BB962C8B-B14F-4D97-AF65-F5344CB8AC3E}">
+        <p14:creationId xmlns:p14="http://schemas.microsoft.com/office/powerpoint/2010/main" val="793087648"/>
+      </p:ext>
+    </p:extLst>
+  </p:cSld>
+  <p:clrMapOvr>
+    <a:masterClrMapping/>
+  </p:clrMapOvr>
+</p:sld>
+</file>
+
 <file path=ppt/slides/slide2.xml><?xml version="1.0" encoding="utf-8"?>
 <p:sld xmlns:a="http://schemas.openxmlformats.org/drawingml/2006/main" xmlns:r="http://schemas.openxmlformats.org/officeDocument/2006/relationships" xmlns:p="http://schemas.openxmlformats.org/presentationml/2006/main">
   <p:cSld>
@@ -24762,7 +25885,7 @@
                 <a:ea typeface="Calibri" panose="020F0502020204030204" pitchFamily="34" charset="0"/>
                 <a:cs typeface="Times New Roman" panose="02020603050405020304" pitchFamily="18" charset="0"/>
               </a:rPr>
-              <a:t>Contexte et des objectifs </a:t>
+              <a:t>Contexte et objectifs </a:t>
             </a:r>
           </a:p>
           <a:p>
@@ -25485,8 +26608,8 @@
         </p:nvSpPr>
         <p:spPr>
           <a:xfrm>
-            <a:off x="1180885" y="1277379"/>
-            <a:ext cx="9029700" cy="4729500"/>
+            <a:off x="1197427" y="1138297"/>
+            <a:ext cx="8980715" cy="4708981"/>
           </a:xfrm>
           <a:prstGeom prst="rect">
             <a:avLst/>
@@ -25499,195 +26622,170 @@
           </a:bodyPr>
           <a:lstStyle/>
           <a:p>
-            <a:pPr marL="228600" indent="-228600">
-              <a:lnSpc>
-                <a:spcPct val="90000"/>
-              </a:lnSpc>
-              <a:spcBef>
-                <a:spcPts val="1001"/>
-              </a:spcBef>
-              <a:buClr>
-                <a:srgbClr val="000000"/>
-              </a:buClr>
-              <a:buFont typeface="Arial"/>
+            <a:pPr marL="285750" indent="-285750">
+              <a:buFont typeface="Wingdings" panose="05000000000000000000" pitchFamily="2" charset="2"/>
+              <a:buChar char="Ø"/>
+            </a:pPr>
+            <a:r>
+              <a:rPr lang="fr-FR" sz="2000" b="1" dirty="0">
+                <a:solidFill>
+                  <a:schemeClr val="accent2"/>
+                </a:solidFill>
+                <a:latin typeface="Söhne"/>
+              </a:rPr>
+              <a:t>Concevoir et Assembler un Calculateur Moteur :</a:t>
+            </a:r>
+          </a:p>
+          <a:p>
+            <a:pPr marL="742950" lvl="1" indent="-285750" algn="l">
+              <a:buFont typeface="Arial" panose="020B0604020202020204" pitchFamily="34" charset="0"/>
               <a:buChar char="•"/>
             </a:pPr>
             <a:r>
-              <a:rPr lang="fr-FR" b="0" strike="noStrike" spc="-1" dirty="0">
+              <a:rPr lang="fr-FR" sz="2000" b="0" i="0" dirty="0">
+                <a:solidFill>
+                  <a:schemeClr val="accent2"/>
+                </a:solidFill>
+                <a:effectLst/>
+                <a:latin typeface="Söhne"/>
+              </a:rPr>
+              <a:t>Acquérir une compréhension approfondie du moteur thermique essence.</a:t>
+            </a:r>
+          </a:p>
+          <a:p>
+            <a:pPr marL="742950" lvl="1" indent="-285750" algn="l">
+              <a:buFont typeface="Arial" panose="020B0604020202020204" pitchFamily="34" charset="0"/>
+              <a:buChar char="•"/>
+            </a:pPr>
+            <a:r>
+              <a:rPr lang="fr-FR" sz="2000" b="0" i="0" dirty="0">
+                <a:solidFill>
+                  <a:schemeClr val="accent2"/>
+                </a:solidFill>
+                <a:effectLst/>
+                <a:latin typeface="Söhne"/>
+              </a:rPr>
+              <a:t>Concevoir et assembler un calculateur moteur utilisant un microcontrôleur STM32.</a:t>
+            </a:r>
+          </a:p>
+          <a:p>
+            <a:pPr lvl="1" algn="l"/>
+            <a:endParaRPr lang="fr-FR" sz="2000" b="0" i="0" dirty="0">
+              <a:solidFill>
+                <a:schemeClr val="accent2"/>
+              </a:solidFill>
+              <a:effectLst/>
+              <a:latin typeface="Söhne"/>
+            </a:endParaRPr>
+          </a:p>
+          <a:p>
+            <a:pPr marL="285750" indent="-285750">
+              <a:buFont typeface="Wingdings" panose="05000000000000000000" pitchFamily="2" charset="2"/>
+              <a:buChar char="Ø"/>
+            </a:pPr>
+            <a:r>
+              <a:rPr lang="fr-FR" sz="2000" b="1" dirty="0">
+                <a:solidFill>
+                  <a:schemeClr val="accent2"/>
+                </a:solidFill>
+                <a:latin typeface="Söhne"/>
+              </a:rPr>
+              <a:t>Développer et Tester le Programme de Gestion Moteur :</a:t>
+            </a:r>
+          </a:p>
+          <a:p>
+            <a:pPr marL="742950" lvl="1" indent="-285750" algn="l">
+              <a:buFont typeface="Arial" panose="020B0604020202020204" pitchFamily="34" charset="0"/>
+              <a:buChar char="•"/>
+            </a:pPr>
+            <a:r>
+              <a:rPr lang="fr-FR" sz="2000" b="0" i="0" dirty="0">
+                <a:solidFill>
+                  <a:schemeClr val="accent2"/>
+                </a:solidFill>
+                <a:effectLst/>
+                <a:latin typeface="Söhne"/>
+              </a:rPr>
+              <a:t>Élaborer le programme de gestion moteur pour le calculateur.</a:t>
+            </a:r>
+          </a:p>
+          <a:p>
+            <a:pPr marL="742950" lvl="1" indent="-285750" algn="l">
+              <a:buFont typeface="Arial" panose="020B0604020202020204" pitchFamily="34" charset="0"/>
+              <a:buChar char="•"/>
+            </a:pPr>
+            <a:r>
+              <a:rPr lang="fr-FR" sz="2000" b="0" i="0" dirty="0">
+                <a:solidFill>
+                  <a:schemeClr val="accent2"/>
+                </a:solidFill>
+                <a:effectLst/>
+                <a:latin typeface="Söhne"/>
+              </a:rPr>
+              <a:t>Effectuer des tests approfondis pour garantir le bon fonctionnement et l'adaptation aux besoins du projet.</a:t>
+            </a:r>
+          </a:p>
+          <a:p>
+            <a:pPr marL="742950" lvl="1" indent="-285750" algn="l">
+              <a:buFont typeface="Arial" panose="020B0604020202020204" pitchFamily="34" charset="0"/>
+              <a:buChar char="•"/>
+            </a:pPr>
+            <a:r>
+              <a:rPr lang="fr-FR" sz="2000" b="0" strike="noStrike" spc="-1" dirty="0">
                 <a:solidFill>
                   <a:schemeClr val="accent2"/>
                 </a:solidFill>
                 <a:latin typeface="Calibri"/>
               </a:rPr>
-              <a:t>1. Acquérir une compréhension approfondie du fonctionnement d'un moteur thermique essence.</a:t>
+              <a:t>Développer un logiciel PC permettant le suivi en temps réel et la modification des données du calculateur.</a:t>
+            </a:r>
+            <a:endParaRPr lang="fr-FR" sz="2000" b="0" i="0" dirty="0">
+              <a:solidFill>
+                <a:schemeClr val="accent2"/>
+              </a:solidFill>
+              <a:effectLst/>
+              <a:latin typeface="Söhne"/>
+            </a:endParaRPr>
+          </a:p>
+          <a:p>
+            <a:pPr lvl="1" algn="l"/>
+            <a:endParaRPr lang="fr-FR" sz="2000" b="0" i="0" dirty="0">
+              <a:solidFill>
+                <a:schemeClr val="accent2"/>
+              </a:solidFill>
+              <a:effectLst/>
+              <a:latin typeface="Söhne"/>
+            </a:endParaRPr>
+          </a:p>
+          <a:p>
+            <a:pPr marL="285750" indent="-285750">
+              <a:buFont typeface="Wingdings" panose="05000000000000000000" pitchFamily="2" charset="2"/>
+              <a:buChar char="Ø"/>
+            </a:pPr>
+            <a:r>
+              <a:rPr lang="fr-FR" sz="2000" b="1" dirty="0">
+                <a:solidFill>
+                  <a:schemeClr val="accent2"/>
+                </a:solidFill>
+                <a:latin typeface="Söhne"/>
+              </a:rPr>
+              <a:t>Intégration et Suivi avec GitHub :</a:t>
             </a:r>
           </a:p>
           <a:p>
-            <a:pPr marL="228600" indent="-228600">
-              <a:lnSpc>
-                <a:spcPct val="90000"/>
-              </a:lnSpc>
-              <a:spcBef>
-                <a:spcPts val="1001"/>
-              </a:spcBef>
-              <a:buClr>
-                <a:srgbClr val="000000"/>
-              </a:buClr>
-              <a:buFont typeface="Arial"/>
+            <a:pPr marL="742950" lvl="1" indent="-285750" algn="l">
+              <a:buFont typeface="Arial" panose="020B0604020202020204" pitchFamily="34" charset="0"/>
               <a:buChar char="•"/>
             </a:pPr>
             <a:r>
-              <a:rPr lang="fr-FR" b="0" strike="noStrike" spc="-1" dirty="0">
+              <a:rPr lang="fr-FR" sz="2000" b="0" i="0" dirty="0">
                 <a:solidFill>
                   <a:schemeClr val="accent2"/>
                 </a:solidFill>
-                <a:latin typeface="Calibri"/>
+                <a:effectLst/>
+                <a:latin typeface="Söhne"/>
               </a:rPr>
-              <a:t>2. Approfondir la connaissance du fonctionnement d'une gestion moteur programmée et d’un calculateur moteur.</a:t>
-            </a:r>
-          </a:p>
-          <a:p>
-            <a:pPr marL="228600" indent="-228600">
-              <a:lnSpc>
-                <a:spcPct val="90000"/>
-              </a:lnSpc>
-              <a:spcBef>
-                <a:spcPts val="1001"/>
-              </a:spcBef>
-              <a:buClr>
-                <a:srgbClr val="000000"/>
-              </a:buClr>
-              <a:buFont typeface="Arial"/>
-              <a:buChar char="•"/>
-            </a:pPr>
-            <a:r>
-              <a:rPr lang="fr-FR" b="0" strike="noStrike" spc="-1" dirty="0">
-                <a:solidFill>
-                  <a:schemeClr val="accent2"/>
-                </a:solidFill>
-                <a:latin typeface="Calibri"/>
-              </a:rPr>
-              <a:t>3. Concevoir et assembler notre propre calculateur moteur en utilisant un microcontrôleur de type STM32.</a:t>
-            </a:r>
-          </a:p>
-          <a:p>
-            <a:pPr marL="228600" indent="-228600">
-              <a:lnSpc>
-                <a:spcPct val="90000"/>
-              </a:lnSpc>
-              <a:spcBef>
-                <a:spcPts val="1001"/>
-              </a:spcBef>
-              <a:buClr>
-                <a:srgbClr val="000000"/>
-              </a:buClr>
-              <a:buFont typeface="Arial"/>
-              <a:buChar char="•"/>
-            </a:pPr>
-            <a:r>
-              <a:rPr lang="fr-FR" b="0" strike="noStrike" spc="-1" dirty="0">
-                <a:solidFill>
-                  <a:schemeClr val="accent2"/>
-                </a:solidFill>
-                <a:latin typeface="Calibri"/>
-              </a:rPr>
-              <a:t>4. Élaborer le programme de gestion moteur pour le calculateur.</a:t>
-            </a:r>
-          </a:p>
-          <a:p>
-            <a:pPr marL="228600" indent="-228600">
-              <a:lnSpc>
-                <a:spcPct val="90000"/>
-              </a:lnSpc>
-              <a:spcBef>
-                <a:spcPts val="1001"/>
-              </a:spcBef>
-              <a:buClr>
-                <a:srgbClr val="000000"/>
-              </a:buClr>
-              <a:buFont typeface="Arial"/>
-              <a:buChar char="•"/>
-            </a:pPr>
-            <a:r>
-              <a:rPr lang="fr-FR" b="0" strike="noStrike" spc="-1" dirty="0">
-                <a:solidFill>
-                  <a:schemeClr val="accent2"/>
-                </a:solidFill>
-                <a:latin typeface="Calibri"/>
-              </a:rPr>
-              <a:t>5. Développer un logiciel PC permettant le suivi en temps réel et la modification des données de l’ECU (Engine Control Unit).</a:t>
-            </a:r>
-          </a:p>
-          <a:p>
-            <a:pPr marL="228600" indent="-228600">
-              <a:lnSpc>
-                <a:spcPct val="90000"/>
-              </a:lnSpc>
-              <a:spcBef>
-                <a:spcPts val="1001"/>
-              </a:spcBef>
-              <a:buClr>
-                <a:srgbClr val="000000"/>
-              </a:buClr>
-              <a:buFont typeface="Arial"/>
-              <a:buChar char="•"/>
-            </a:pPr>
-            <a:r>
-              <a:rPr lang="fr-FR" b="0" strike="noStrike" spc="-1" dirty="0">
-                <a:solidFill>
-                  <a:schemeClr val="accent2"/>
-                </a:solidFill>
-                <a:latin typeface="Calibri"/>
-              </a:rPr>
-              <a:t>6. Effectuer des tests approfondis du calculateur pour garantir son bon fonctionnement et son adaptation aux besoins du projet.</a:t>
-            </a:r>
-          </a:p>
-          <a:p>
-            <a:pPr marL="228600" indent="-228600">
-              <a:lnSpc>
-                <a:spcPct val="90000"/>
-              </a:lnSpc>
-              <a:spcBef>
-                <a:spcPts val="1001"/>
-              </a:spcBef>
-              <a:buClr>
-                <a:srgbClr val="000000"/>
-              </a:buClr>
-              <a:buFont typeface="Arial"/>
-              <a:buChar char="•"/>
-            </a:pPr>
-            <a:r>
-              <a:rPr lang="fr-FR" b="0" strike="noStrike" spc="-1" dirty="0">
-                <a:solidFill>
-                  <a:schemeClr val="accent2"/>
-                </a:solidFill>
-                <a:latin typeface="Calibri"/>
-              </a:rPr>
-              <a:t>7. Utiliser GitHub comme plateforme de gestion de projet, favorisant la collaboration, la traçabilité et la gestion des versions.</a:t>
-            </a:r>
-          </a:p>
-          <a:p>
-            <a:pPr marL="228600" indent="-228600">
-              <a:lnSpc>
-                <a:spcPct val="90000"/>
-              </a:lnSpc>
-              <a:spcBef>
-                <a:spcPts val="1001"/>
-              </a:spcBef>
-              <a:buClr>
-                <a:srgbClr val="000000"/>
-              </a:buClr>
-              <a:buFont typeface="Arial"/>
-              <a:buChar char="•"/>
-            </a:pPr>
-            <a:r>
-              <a:rPr lang="fr-FR" b="0" strike="noStrike" spc="-1" dirty="0">
-                <a:solidFill>
-                  <a:schemeClr val="accent2"/>
-                </a:solidFill>
-                <a:latin typeface="Calibri"/>
-              </a:rPr>
-              <a:t>8. Réaliser autant de ces tâches que possible dans une période de six mois, en respectant des jalons spécifiques pour garantir une progression efficace.</a:t>
+              <a:t>Utiliser GitHub comme plateforme de gestion de projet pour favoriser la collaboration, la traçabilité et la gestion des versions.</a:t>
             </a:r>
           </a:p>
         </p:txBody>
@@ -28262,12 +29360,11 @@
                 <a:solidFill>
                   <a:schemeClr val="accent2"/>
                 </a:solidFill>
-                <a:effectLst/>
                 <a:latin typeface="Calibri" panose="020F0502020204030204" pitchFamily="34" charset="0"/>
                 <a:ea typeface="Calibri" panose="020F0502020204030204" pitchFamily="34" charset="0"/>
                 <a:cs typeface="Times New Roman" panose="02020603050405020304" pitchFamily="18" charset="0"/>
               </a:rPr>
-              <a:t>Communication</a:t>
+              <a:t>Interface utilisateur</a:t>
             </a:r>
           </a:p>
         </p:txBody>
@@ -28310,7 +29407,7 @@
           <p:cNvPr id="3" name="Rectangle 2">
             <a:extLst>
               <a:ext uri="{FF2B5EF4-FFF2-40B4-BE49-F238E27FC236}">
-                <a16:creationId xmlns:a16="http://schemas.microsoft.com/office/drawing/2014/main" id="{DF828113-7E97-DB43-0418-47FCB6D21CFA}"/>
+                <a16:creationId xmlns:a16="http://schemas.microsoft.com/office/drawing/2014/main" id="{0AAAA829-BD22-1D55-5373-D27E9F2EAEF3}"/>
               </a:ext>
             </a:extLst>
           </p:cNvPr>
@@ -28319,12 +29416,20 @@
         </p:nvSpPr>
         <p:spPr>
           <a:xfrm>
-            <a:off x="8320035" y="2745713"/>
-            <a:ext cx="2924070" cy="1695659"/>
+            <a:off x="5548203" y="2709978"/>
+            <a:ext cx="1241473" cy="607693"/>
           </a:xfrm>
           <a:prstGeom prst="rect">
             <a:avLst/>
           </a:prstGeom>
+          <a:solidFill>
+            <a:schemeClr val="accent5"/>
+          </a:solidFill>
+          <a:ln w="12700">
+            <a:solidFill>
+              <a:schemeClr val="accent2"/>
+            </a:solidFill>
+          </a:ln>
         </p:spPr>
         <p:style>
           <a:lnRef idx="2">
@@ -28348,18 +29453,66 @@
           <a:p>
             <a:pPr algn="ctr"/>
             <a:r>
-              <a:rPr lang="fr-FR" dirty="0"/>
-              <a:t>ECU</a:t>
+              <a:rPr lang="fr-FR" dirty="0">
+                <a:solidFill>
+                  <a:schemeClr val="accent2"/>
+                </a:solidFill>
+              </a:rPr>
+              <a:t>Utilisateur</a:t>
             </a:r>
           </a:p>
         </p:txBody>
       </p:sp>
+      <p:cxnSp>
+        <p:nvCxnSpPr>
+          <p:cNvPr id="4" name="Connecteur droit avec flèche 3">
+            <a:extLst>
+              <a:ext uri="{FF2B5EF4-FFF2-40B4-BE49-F238E27FC236}">
+                <a16:creationId xmlns:a16="http://schemas.microsoft.com/office/drawing/2014/main" id="{CC82ABCA-3F69-287B-2E79-3806E5F89B98}"/>
+              </a:ext>
+            </a:extLst>
+          </p:cNvPr>
+          <p:cNvCxnSpPr>
+            <a:cxnSpLocks/>
+          </p:cNvCxnSpPr>
+          <p:nvPr/>
+        </p:nvCxnSpPr>
+        <p:spPr>
+          <a:xfrm flipH="1">
+            <a:off x="6862474" y="2969364"/>
+            <a:ext cx="711120" cy="0"/>
+          </a:xfrm>
+          <a:prstGeom prst="straightConnector1">
+            <a:avLst/>
+          </a:prstGeom>
+          <a:ln w="28575">
+            <a:solidFill>
+              <a:schemeClr val="accent2"/>
+            </a:solidFill>
+            <a:tailEnd type="triangle"/>
+          </a:ln>
+        </p:spPr>
+        <p:style>
+          <a:lnRef idx="1">
+            <a:schemeClr val="accent1"/>
+          </a:lnRef>
+          <a:fillRef idx="0">
+            <a:schemeClr val="accent1"/>
+          </a:fillRef>
+          <a:effectRef idx="0">
+            <a:schemeClr val="accent1"/>
+          </a:effectRef>
+          <a:fontRef idx="minor">
+            <a:schemeClr val="tx1"/>
+          </a:fontRef>
+        </p:style>
+      </p:cxnSp>
       <p:sp>
         <p:nvSpPr>
-          <p:cNvPr id="4" name="Rectangle 3">
+          <p:cNvPr id="8" name="Rectangle 7">
             <a:extLst>
               <a:ext uri="{FF2B5EF4-FFF2-40B4-BE49-F238E27FC236}">
-                <a16:creationId xmlns:a16="http://schemas.microsoft.com/office/drawing/2014/main" id="{12CD7837-8AA6-72E1-E628-4ED12F49A5C5}"/>
+                <a16:creationId xmlns:a16="http://schemas.microsoft.com/office/drawing/2014/main" id="{121788A6-E488-3AF2-A437-83087D3744E2}"/>
               </a:ext>
             </a:extLst>
           </p:cNvPr>
@@ -28368,12 +29521,20 @@
         </p:nvSpPr>
         <p:spPr>
           <a:xfrm>
-            <a:off x="2409931" y="2745713"/>
-            <a:ext cx="2924070" cy="1695659"/>
+            <a:off x="7651903" y="2581642"/>
+            <a:ext cx="1287862" cy="942032"/>
           </a:xfrm>
           <a:prstGeom prst="rect">
             <a:avLst/>
           </a:prstGeom>
+          <a:solidFill>
+            <a:schemeClr val="accent5"/>
+          </a:solidFill>
+          <a:ln w="12700">
+            <a:solidFill>
+              <a:schemeClr val="accent2"/>
+            </a:solidFill>
+          </a:ln>
         </p:spPr>
         <p:style>
           <a:lnRef idx="2">
@@ -28397,139 +29558,27 @@
           <a:p>
             <a:pPr algn="ctr"/>
             <a:r>
-              <a:rPr lang="fr-FR" dirty="0"/>
-              <a:t>PC</a:t>
+              <a:rPr lang="fr-FR" dirty="0" err="1">
+                <a:solidFill>
+                  <a:schemeClr val="accent2"/>
+                </a:solidFill>
+              </a:rPr>
+              <a:t>Views</a:t>
             </a:r>
-          </a:p>
-        </p:txBody>
-      </p:sp>
-      <p:cxnSp>
-        <p:nvCxnSpPr>
-          <p:cNvPr id="8" name="Connecteur droit avec flèche 7">
-            <a:extLst>
-              <a:ext uri="{FF2B5EF4-FFF2-40B4-BE49-F238E27FC236}">
-                <a16:creationId xmlns:a16="http://schemas.microsoft.com/office/drawing/2014/main" id="{FF51878A-E962-12B5-BF7F-DDADAC611F48}"/>
-              </a:ext>
-            </a:extLst>
-          </p:cNvPr>
-          <p:cNvCxnSpPr/>
-          <p:nvPr/>
-        </p:nvCxnSpPr>
-        <p:spPr>
-          <a:xfrm>
-            <a:off x="5635451" y="3451608"/>
-            <a:ext cx="2461846" cy="0"/>
-          </a:xfrm>
-          <a:prstGeom prst="straightConnector1">
-            <a:avLst/>
-          </a:prstGeom>
-          <a:ln>
-            <a:tailEnd type="triangle"/>
-          </a:ln>
-        </p:spPr>
-        <p:style>
-          <a:lnRef idx="1">
-            <a:schemeClr val="accent1"/>
-          </a:lnRef>
-          <a:fillRef idx="0">
-            <a:schemeClr val="accent1"/>
-          </a:fillRef>
-          <a:effectRef idx="0">
-            <a:schemeClr val="accent1"/>
-          </a:effectRef>
-          <a:fontRef idx="minor">
-            <a:schemeClr val="tx1"/>
-          </a:fontRef>
-        </p:style>
-      </p:cxnSp>
-      <p:cxnSp>
-        <p:nvCxnSpPr>
-          <p:cNvPr id="9" name="Connecteur droit avec flèche 8">
-            <a:extLst>
-              <a:ext uri="{FF2B5EF4-FFF2-40B4-BE49-F238E27FC236}">
-                <a16:creationId xmlns:a16="http://schemas.microsoft.com/office/drawing/2014/main" id="{BC83B395-A838-DB5C-E7C5-35A1D2DC0E0F}"/>
-              </a:ext>
-            </a:extLst>
-          </p:cNvPr>
-          <p:cNvCxnSpPr>
-            <a:cxnSpLocks/>
-          </p:cNvCxnSpPr>
-          <p:nvPr/>
-        </p:nvCxnSpPr>
-        <p:spPr>
-          <a:xfrm flipH="1">
-            <a:off x="5796223" y="3872801"/>
-            <a:ext cx="1999624" cy="0"/>
-          </a:xfrm>
-          <a:prstGeom prst="straightConnector1">
-            <a:avLst/>
-          </a:prstGeom>
-          <a:ln>
-            <a:tailEnd type="triangle"/>
-          </a:ln>
-        </p:spPr>
-        <p:style>
-          <a:lnRef idx="1">
-            <a:schemeClr val="accent1"/>
-          </a:lnRef>
-          <a:fillRef idx="0">
-            <a:schemeClr val="accent1"/>
-          </a:fillRef>
-          <a:effectRef idx="0">
-            <a:schemeClr val="accent1"/>
-          </a:effectRef>
-          <a:fontRef idx="minor">
-            <a:schemeClr val="tx1"/>
-          </a:fontRef>
-        </p:style>
-      </p:cxnSp>
-      <p:sp>
-        <p:nvSpPr>
-          <p:cNvPr id="10" name="ZoneTexte 9">
-            <a:extLst>
-              <a:ext uri="{FF2B5EF4-FFF2-40B4-BE49-F238E27FC236}">
-                <a16:creationId xmlns:a16="http://schemas.microsoft.com/office/drawing/2014/main" id="{8FA7BAC4-E3B5-FAC7-B341-791D56EF9BC1}"/>
-              </a:ext>
-            </a:extLst>
-          </p:cNvPr>
-          <p:cNvSpPr txBox="1"/>
-          <p:nvPr/>
-        </p:nvSpPr>
-        <p:spPr>
-          <a:xfrm>
-            <a:off x="5988828" y="2594681"/>
-            <a:ext cx="1479892" cy="646331"/>
-          </a:xfrm>
-          <a:prstGeom prst="rect">
-            <a:avLst/>
-          </a:prstGeom>
-          <a:noFill/>
-        </p:spPr>
-        <p:txBody>
-          <a:bodyPr wrap="none" rtlCol="0">
-            <a:spAutoFit/>
-          </a:bodyPr>
-          <a:lstStyle/>
-          <a:p>
-            <a:r>
-              <a:rPr lang="fr-FR" dirty="0"/>
-              <a:t>Liaison série</a:t>
-            </a:r>
-          </a:p>
-          <a:p>
-            <a:r>
-              <a:rPr lang="fr-FR" dirty="0"/>
-              <a:t>Avec UART</a:t>
-            </a:r>
+            <a:endParaRPr lang="fr-FR" dirty="0">
+              <a:solidFill>
+                <a:schemeClr val="accent2"/>
+              </a:solidFill>
+            </a:endParaRPr>
           </a:p>
         </p:txBody>
       </p:sp>
       <p:sp>
         <p:nvSpPr>
-          <p:cNvPr id="11" name="Rectangle 10">
+          <p:cNvPr id="9" name="Rectangle 8">
             <a:extLst>
               <a:ext uri="{FF2B5EF4-FFF2-40B4-BE49-F238E27FC236}">
-                <a16:creationId xmlns:a16="http://schemas.microsoft.com/office/drawing/2014/main" id="{DAA07EA0-0981-1AD9-1058-4E0831364847}"/>
+                <a16:creationId xmlns:a16="http://schemas.microsoft.com/office/drawing/2014/main" id="{2E978CC8-BD7A-A258-C2FD-F1FFF0BB05C0}"/>
               </a:ext>
             </a:extLst>
           </p:cNvPr>
@@ -28538,12 +29587,20 @@
         </p:nvSpPr>
         <p:spPr>
           <a:xfrm>
-            <a:off x="597881" y="3122526"/>
+            <a:off x="10075839" y="1533856"/>
             <a:ext cx="1287862" cy="942032"/>
           </a:xfrm>
           <a:prstGeom prst="rect">
             <a:avLst/>
           </a:prstGeom>
+          <a:solidFill>
+            <a:schemeClr val="accent5"/>
+          </a:solidFill>
+          <a:ln w="12700">
+            <a:solidFill>
+              <a:schemeClr val="accent2"/>
+            </a:solidFill>
+          </a:ln>
         </p:spPr>
         <p:style>
           <a:lnRef idx="2">
@@ -28567,18 +29624,27 @@
           <a:p>
             <a:pPr algn="ctr"/>
             <a:r>
-              <a:rPr lang="fr-FR" dirty="0"/>
-              <a:t>User</a:t>
+              <a:rPr lang="fr-FR" dirty="0" err="1">
+                <a:solidFill>
+                  <a:schemeClr val="accent2"/>
+                </a:solidFill>
+              </a:rPr>
+              <a:t>Controler</a:t>
             </a:r>
+            <a:endParaRPr lang="fr-FR" dirty="0">
+              <a:solidFill>
+                <a:schemeClr val="accent2"/>
+              </a:solidFill>
+            </a:endParaRPr>
           </a:p>
         </p:txBody>
       </p:sp>
       <p:sp>
         <p:nvSpPr>
-          <p:cNvPr id="12" name="Rectangle 11">
+          <p:cNvPr id="10" name="Rectangle 9">
             <a:extLst>
               <a:ext uri="{FF2B5EF4-FFF2-40B4-BE49-F238E27FC236}">
-                <a16:creationId xmlns:a16="http://schemas.microsoft.com/office/drawing/2014/main" id="{A26EFB38-8C9B-E37F-FCBB-F756EF1612B5}"/>
+                <a16:creationId xmlns:a16="http://schemas.microsoft.com/office/drawing/2014/main" id="{C1D6E4AF-4C3D-0A86-E9DE-4A65EE7FD3BB}"/>
               </a:ext>
             </a:extLst>
           </p:cNvPr>
@@ -28587,12 +29653,20 @@
         </p:nvSpPr>
         <p:spPr>
           <a:xfrm>
-            <a:off x="9261235" y="4794756"/>
+            <a:off x="10075839" y="3653644"/>
             <a:ext cx="1287862" cy="942032"/>
           </a:xfrm>
           <a:prstGeom prst="rect">
             <a:avLst/>
           </a:prstGeom>
+          <a:solidFill>
+            <a:schemeClr val="accent5"/>
+          </a:solidFill>
+          <a:ln w="12700">
+            <a:solidFill>
+              <a:schemeClr val="accent2"/>
+            </a:solidFill>
+          </a:ln>
         </p:spPr>
         <p:style>
           <a:lnRef idx="2">
@@ -28616,16 +29690,471 @@
           <a:p>
             <a:pPr algn="ctr"/>
             <a:r>
-              <a:rPr lang="fr-FR" dirty="0"/>
-              <a:t>Moteur</a:t>
+              <a:rPr lang="fr-FR" dirty="0">
+                <a:solidFill>
+                  <a:schemeClr val="accent2"/>
+                </a:solidFill>
+              </a:rPr>
+              <a:t>Model</a:t>
             </a:r>
           </a:p>
         </p:txBody>
       </p:sp>
+      <p:sp>
+        <p:nvSpPr>
+          <p:cNvPr id="11" name="Rectangle : coins arrondis 10">
+            <a:extLst>
+              <a:ext uri="{FF2B5EF4-FFF2-40B4-BE49-F238E27FC236}">
+                <a16:creationId xmlns:a16="http://schemas.microsoft.com/office/drawing/2014/main" id="{59A3600E-BD39-F78E-23D7-B0168A94760E}"/>
+              </a:ext>
+            </a:extLst>
+          </p:cNvPr>
+          <p:cNvSpPr/>
+          <p:nvPr/>
+        </p:nvSpPr>
+        <p:spPr>
+          <a:xfrm>
+            <a:off x="7328209" y="1059936"/>
+            <a:ext cx="4470385" cy="4038827"/>
+          </a:xfrm>
+          <a:prstGeom prst="roundRect">
+            <a:avLst/>
+          </a:prstGeom>
+          <a:noFill/>
+          <a:ln w="28575">
+            <a:solidFill>
+              <a:schemeClr val="accent2"/>
+            </a:solidFill>
+          </a:ln>
+        </p:spPr>
+        <p:style>
+          <a:lnRef idx="2">
+            <a:schemeClr val="accent1">
+              <a:shade val="15000"/>
+            </a:schemeClr>
+          </a:lnRef>
+          <a:fillRef idx="1">
+            <a:schemeClr val="accent1"/>
+          </a:fillRef>
+          <a:effectRef idx="0">
+            <a:schemeClr val="accent1"/>
+          </a:effectRef>
+          <a:fontRef idx="minor">
+            <a:schemeClr val="lt1"/>
+          </a:fontRef>
+        </p:style>
+        <p:txBody>
+          <a:bodyPr rtlCol="0" anchor="ctr"/>
+          <a:lstStyle/>
+          <a:p>
+            <a:pPr algn="ctr"/>
+            <a:endParaRPr lang="fr-FR"/>
+          </a:p>
+        </p:txBody>
+      </p:sp>
+      <p:sp>
+        <p:nvSpPr>
+          <p:cNvPr id="12" name="ZoneTexte 11">
+            <a:extLst>
+              <a:ext uri="{FF2B5EF4-FFF2-40B4-BE49-F238E27FC236}">
+                <a16:creationId xmlns:a16="http://schemas.microsoft.com/office/drawing/2014/main" id="{B2508A70-C966-D02A-DA25-FCC7116E5C3D}"/>
+              </a:ext>
+            </a:extLst>
+          </p:cNvPr>
+          <p:cNvSpPr txBox="1"/>
+          <p:nvPr/>
+        </p:nvSpPr>
+        <p:spPr>
+          <a:xfrm>
+            <a:off x="8041510" y="5242130"/>
+            <a:ext cx="3043782" cy="369332"/>
+          </a:xfrm>
+          <a:prstGeom prst="rect">
+            <a:avLst/>
+          </a:prstGeom>
+          <a:noFill/>
+        </p:spPr>
+        <p:txBody>
+          <a:bodyPr wrap="none" rtlCol="0">
+            <a:spAutoFit/>
+          </a:bodyPr>
+          <a:lstStyle/>
+          <a:p>
+            <a:pPr algn="ctr"/>
+            <a:r>
+              <a:rPr lang="fr-FR" b="1" dirty="0">
+                <a:solidFill>
+                  <a:schemeClr val="accent2"/>
+                </a:solidFill>
+              </a:rPr>
+              <a:t>GUI (</a:t>
+            </a:r>
+            <a:r>
+              <a:rPr lang="fr-FR" b="1" dirty="0" err="1">
+                <a:solidFill>
+                  <a:schemeClr val="accent2"/>
+                </a:solidFill>
+              </a:rPr>
+              <a:t>Graphical</a:t>
+            </a:r>
+            <a:r>
+              <a:rPr lang="fr-FR" b="1" dirty="0">
+                <a:solidFill>
+                  <a:schemeClr val="accent2"/>
+                </a:solidFill>
+              </a:rPr>
+              <a:t> User Interface)</a:t>
+            </a:r>
+          </a:p>
+        </p:txBody>
+      </p:sp>
+      <p:sp>
+        <p:nvSpPr>
+          <p:cNvPr id="23" name="ZoneTexte 22">
+            <a:extLst>
+              <a:ext uri="{FF2B5EF4-FFF2-40B4-BE49-F238E27FC236}">
+                <a16:creationId xmlns:a16="http://schemas.microsoft.com/office/drawing/2014/main" id="{6B9C5D4F-3BE1-9682-FC43-C4368DC1A508}"/>
+              </a:ext>
+            </a:extLst>
+          </p:cNvPr>
+          <p:cNvSpPr txBox="1"/>
+          <p:nvPr/>
+        </p:nvSpPr>
+        <p:spPr>
+          <a:xfrm>
+            <a:off x="380819" y="1353741"/>
+            <a:ext cx="5167383" cy="4801314"/>
+          </a:xfrm>
+          <a:prstGeom prst="rect">
+            <a:avLst/>
+          </a:prstGeom>
+          <a:noFill/>
+        </p:spPr>
+        <p:txBody>
+          <a:bodyPr wrap="square">
+            <a:spAutoFit/>
+          </a:bodyPr>
+          <a:lstStyle/>
+          <a:p>
+            <a:pPr marL="285750" indent="-285750">
+              <a:buFont typeface="Arial" panose="020B0604020202020204" pitchFamily="34" charset="0"/>
+              <a:buChar char="•"/>
+            </a:pPr>
+            <a:r>
+              <a:rPr lang="fr-FR" b="1" dirty="0">
+                <a:solidFill>
+                  <a:schemeClr val="accent2"/>
+                </a:solidFill>
+              </a:rPr>
+              <a:t>Langage : Python</a:t>
+            </a:r>
+          </a:p>
+          <a:p>
+            <a:r>
+              <a:rPr lang="fr-FR" dirty="0">
+                <a:solidFill>
+                  <a:schemeClr val="accent2"/>
+                </a:solidFill>
+              </a:rPr>
+              <a:t>Utilisé pour sa flexibilité et sa facilité de mise en œuvre.</a:t>
+            </a:r>
+          </a:p>
+          <a:p>
+            <a:endParaRPr lang="fr-FR" b="1" dirty="0">
+              <a:solidFill>
+                <a:schemeClr val="accent2"/>
+              </a:solidFill>
+            </a:endParaRPr>
+          </a:p>
+          <a:p>
+            <a:pPr marL="285750" indent="-285750">
+              <a:buFont typeface="Arial" panose="020B0604020202020204" pitchFamily="34" charset="0"/>
+              <a:buChar char="•"/>
+            </a:pPr>
+            <a:r>
+              <a:rPr lang="fr-FR" b="1" dirty="0">
+                <a:solidFill>
+                  <a:schemeClr val="accent2"/>
+                </a:solidFill>
+              </a:rPr>
+              <a:t>Bibliothèque Graphique : </a:t>
+            </a:r>
+            <a:r>
+              <a:rPr lang="fr-FR" b="1" dirty="0" err="1">
+                <a:solidFill>
+                  <a:schemeClr val="accent2"/>
+                </a:solidFill>
+              </a:rPr>
+              <a:t>Tkinter</a:t>
+            </a:r>
+            <a:endParaRPr lang="fr-FR" b="1" dirty="0">
+              <a:solidFill>
+                <a:schemeClr val="accent2"/>
+              </a:solidFill>
+            </a:endParaRPr>
+          </a:p>
+          <a:p>
+            <a:r>
+              <a:rPr lang="fr-FR" dirty="0">
+                <a:solidFill>
+                  <a:schemeClr val="accent2"/>
+                </a:solidFill>
+              </a:rPr>
+              <a:t>Reconnue pour sa simplicité et son efficacité dans la création d'interfaces utilisateur.</a:t>
+            </a:r>
+          </a:p>
+          <a:p>
+            <a:endParaRPr lang="fr-FR" b="1" dirty="0">
+              <a:solidFill>
+                <a:schemeClr val="accent2"/>
+              </a:solidFill>
+            </a:endParaRPr>
+          </a:p>
+          <a:p>
+            <a:pPr marL="285750" indent="-285750">
+              <a:buFont typeface="Arial" panose="020B0604020202020204" pitchFamily="34" charset="0"/>
+              <a:buChar char="•"/>
+            </a:pPr>
+            <a:r>
+              <a:rPr lang="fr-FR" b="1" dirty="0">
+                <a:solidFill>
+                  <a:schemeClr val="accent2"/>
+                </a:solidFill>
+              </a:rPr>
+              <a:t>Architecture : Modèle MCV</a:t>
+            </a:r>
+          </a:p>
+          <a:p>
+            <a:r>
+              <a:rPr lang="fr-FR" dirty="0">
+                <a:solidFill>
+                  <a:schemeClr val="accent2"/>
+                </a:solidFill>
+              </a:rPr>
+              <a:t>Séparation de la logique métier, le traitement des données et la représentation graphique, favorise la maintenabilité et l'évolutivité du code</a:t>
+            </a:r>
+            <a:r>
+              <a:rPr lang="fr-FR" b="1" dirty="0">
+                <a:solidFill>
+                  <a:schemeClr val="accent2"/>
+                </a:solidFill>
+              </a:rPr>
+              <a:t>.</a:t>
+            </a:r>
+          </a:p>
+          <a:p>
+            <a:endParaRPr lang="fr-FR" b="1" dirty="0">
+              <a:solidFill>
+                <a:schemeClr val="accent2"/>
+              </a:solidFill>
+            </a:endParaRPr>
+          </a:p>
+          <a:p>
+            <a:pPr marL="285750" indent="-285750">
+              <a:buFont typeface="Arial" panose="020B0604020202020204" pitchFamily="34" charset="0"/>
+              <a:buChar char="•"/>
+            </a:pPr>
+            <a:r>
+              <a:rPr lang="fr-FR" b="1" dirty="0">
+                <a:solidFill>
+                  <a:schemeClr val="accent2"/>
+                </a:solidFill>
+              </a:rPr>
+              <a:t>Design Patterns :</a:t>
+            </a:r>
+          </a:p>
+          <a:p>
+            <a:r>
+              <a:rPr lang="fr-FR" dirty="0">
+                <a:solidFill>
+                  <a:schemeClr val="accent2"/>
+                </a:solidFill>
+              </a:rPr>
+              <a:t>Intégration de motifs de conception pour optimiser la réutilisabilité, améliorer la lisibilité et simplifier la maintenance du code.</a:t>
+            </a:r>
+          </a:p>
+        </p:txBody>
+      </p:sp>
+      <p:cxnSp>
+        <p:nvCxnSpPr>
+          <p:cNvPr id="24" name="Connecteur droit avec flèche 23">
+            <a:extLst>
+              <a:ext uri="{FF2B5EF4-FFF2-40B4-BE49-F238E27FC236}">
+                <a16:creationId xmlns:a16="http://schemas.microsoft.com/office/drawing/2014/main" id="{2D284D83-6B42-102A-A246-57DAE06356CD}"/>
+              </a:ext>
+            </a:extLst>
+          </p:cNvPr>
+          <p:cNvCxnSpPr>
+            <a:cxnSpLocks/>
+          </p:cNvCxnSpPr>
+          <p:nvPr/>
+        </p:nvCxnSpPr>
+        <p:spPr>
+          <a:xfrm flipV="1">
+            <a:off x="9019530" y="2072411"/>
+            <a:ext cx="850120" cy="403477"/>
+          </a:xfrm>
+          <a:prstGeom prst="straightConnector1">
+            <a:avLst/>
+          </a:prstGeom>
+          <a:ln w="28575">
+            <a:solidFill>
+              <a:schemeClr val="accent2"/>
+            </a:solidFill>
+            <a:tailEnd type="triangle"/>
+          </a:ln>
+        </p:spPr>
+        <p:style>
+          <a:lnRef idx="1">
+            <a:schemeClr val="accent1"/>
+          </a:lnRef>
+          <a:fillRef idx="0">
+            <a:schemeClr val="accent1"/>
+          </a:fillRef>
+          <a:effectRef idx="0">
+            <a:schemeClr val="accent1"/>
+          </a:effectRef>
+          <a:fontRef idx="minor">
+            <a:schemeClr val="tx1"/>
+          </a:fontRef>
+        </p:style>
+      </p:cxnSp>
+      <p:cxnSp>
+        <p:nvCxnSpPr>
+          <p:cNvPr id="28" name="Connecteur droit avec flèche 27">
+            <a:extLst>
+              <a:ext uri="{FF2B5EF4-FFF2-40B4-BE49-F238E27FC236}">
+                <a16:creationId xmlns:a16="http://schemas.microsoft.com/office/drawing/2014/main" id="{AF956B1C-C491-8A2F-8013-1CCCE131119F}"/>
+              </a:ext>
+            </a:extLst>
+          </p:cNvPr>
+          <p:cNvCxnSpPr>
+            <a:cxnSpLocks/>
+          </p:cNvCxnSpPr>
+          <p:nvPr/>
+        </p:nvCxnSpPr>
+        <p:spPr>
+          <a:xfrm>
+            <a:off x="10719770" y="2694891"/>
+            <a:ext cx="0" cy="737754"/>
+          </a:xfrm>
+          <a:prstGeom prst="straightConnector1">
+            <a:avLst/>
+          </a:prstGeom>
+          <a:ln w="28575">
+            <a:solidFill>
+              <a:schemeClr val="accent2"/>
+            </a:solidFill>
+            <a:tailEnd type="triangle"/>
+          </a:ln>
+        </p:spPr>
+        <p:style>
+          <a:lnRef idx="1">
+            <a:schemeClr val="accent1"/>
+          </a:lnRef>
+          <a:fillRef idx="0">
+            <a:schemeClr val="accent1"/>
+          </a:fillRef>
+          <a:effectRef idx="0">
+            <a:schemeClr val="accent1"/>
+          </a:effectRef>
+          <a:fontRef idx="minor">
+            <a:schemeClr val="tx1"/>
+          </a:fontRef>
+        </p:style>
+      </p:cxnSp>
+      <p:cxnSp>
+        <p:nvCxnSpPr>
+          <p:cNvPr id="35" name="Connecteur droit avec flèche 34">
+            <a:extLst>
+              <a:ext uri="{FF2B5EF4-FFF2-40B4-BE49-F238E27FC236}">
+                <a16:creationId xmlns:a16="http://schemas.microsoft.com/office/drawing/2014/main" id="{6DDB2F9C-53A5-2D8C-8CC2-FBE5D666B219}"/>
+              </a:ext>
+            </a:extLst>
+          </p:cNvPr>
+          <p:cNvCxnSpPr>
+            <a:cxnSpLocks/>
+          </p:cNvCxnSpPr>
+          <p:nvPr/>
+        </p:nvCxnSpPr>
+        <p:spPr>
+          <a:xfrm flipH="1" flipV="1">
+            <a:off x="9088168" y="3643253"/>
+            <a:ext cx="787313" cy="471016"/>
+          </a:xfrm>
+          <a:prstGeom prst="straightConnector1">
+            <a:avLst/>
+          </a:prstGeom>
+          <a:ln w="28575">
+            <a:solidFill>
+              <a:schemeClr val="accent2"/>
+            </a:solidFill>
+            <a:tailEnd type="triangle"/>
+          </a:ln>
+        </p:spPr>
+        <p:style>
+          <a:lnRef idx="1">
+            <a:schemeClr val="accent1"/>
+          </a:lnRef>
+          <a:fillRef idx="0">
+            <a:schemeClr val="accent1"/>
+          </a:fillRef>
+          <a:effectRef idx="0">
+            <a:schemeClr val="accent1"/>
+          </a:effectRef>
+          <a:fontRef idx="minor">
+            <a:schemeClr val="tx1"/>
+          </a:fontRef>
+        </p:style>
+      </p:cxnSp>
+      <p:cxnSp>
+        <p:nvCxnSpPr>
+          <p:cNvPr id="42" name="Connecteur droit avec flèche 41">
+            <a:extLst>
+              <a:ext uri="{FF2B5EF4-FFF2-40B4-BE49-F238E27FC236}">
+                <a16:creationId xmlns:a16="http://schemas.microsoft.com/office/drawing/2014/main" id="{15C9F945-E84B-59F6-958D-897457D4DA37}"/>
+              </a:ext>
+            </a:extLst>
+          </p:cNvPr>
+          <p:cNvCxnSpPr>
+            <a:cxnSpLocks/>
+          </p:cNvCxnSpPr>
+          <p:nvPr/>
+        </p:nvCxnSpPr>
+        <p:spPr>
+          <a:xfrm>
+            <a:off x="6888828" y="3090591"/>
+            <a:ext cx="711120" cy="0"/>
+          </a:xfrm>
+          <a:prstGeom prst="straightConnector1">
+            <a:avLst/>
+          </a:prstGeom>
+          <a:ln w="28575">
+            <a:solidFill>
+              <a:schemeClr val="accent2"/>
+            </a:solidFill>
+            <a:tailEnd type="triangle"/>
+          </a:ln>
+        </p:spPr>
+        <p:style>
+          <a:lnRef idx="1">
+            <a:schemeClr val="accent1"/>
+          </a:lnRef>
+          <a:fillRef idx="0">
+            <a:schemeClr val="accent1"/>
+          </a:fillRef>
+          <a:effectRef idx="0">
+            <a:schemeClr val="accent1"/>
+          </a:effectRef>
+          <a:fontRef idx="minor">
+            <a:schemeClr val="tx1"/>
+          </a:fontRef>
+        </p:style>
+      </p:cxnSp>
     </p:spTree>
     <p:extLst>
       <p:ext uri="{BB962C8B-B14F-4D97-AF65-F5344CB8AC3E}">
-        <p14:creationId xmlns:p14="http://schemas.microsoft.com/office/powerpoint/2010/main" val="2635824857"/>
+        <p14:creationId xmlns:p14="http://schemas.microsoft.com/office/powerpoint/2010/main" val="187246686"/>
       </p:ext>
     </p:extLst>
   </p:cSld>
@@ -28963,11 +30492,12 @@
                 <a:solidFill>
                   <a:schemeClr val="accent2"/>
                 </a:solidFill>
+                <a:effectLst/>
                 <a:latin typeface="Calibri" panose="020F0502020204030204" pitchFamily="34" charset="0"/>
                 <a:ea typeface="Calibri" panose="020F0502020204030204" pitchFamily="34" charset="0"/>
                 <a:cs typeface="Times New Roman" panose="02020603050405020304" pitchFamily="18" charset="0"/>
               </a:rPr>
-              <a:t>Interface utilisateur</a:t>
+              <a:t>Communication</a:t>
             </a:r>
           </a:p>
         </p:txBody>
@@ -29005,12 +30535,94 @@
           </a:p>
         </p:txBody>
       </p:sp>
+      <p:cxnSp>
+        <p:nvCxnSpPr>
+          <p:cNvPr id="8" name="Connecteur droit avec flèche 7">
+            <a:extLst>
+              <a:ext uri="{FF2B5EF4-FFF2-40B4-BE49-F238E27FC236}">
+                <a16:creationId xmlns:a16="http://schemas.microsoft.com/office/drawing/2014/main" id="{FF51878A-E962-12B5-BF7F-DDADAC611F48}"/>
+              </a:ext>
+            </a:extLst>
+          </p:cNvPr>
+          <p:cNvCxnSpPr/>
+          <p:nvPr/>
+        </p:nvCxnSpPr>
+        <p:spPr>
+          <a:xfrm>
+            <a:off x="4580495" y="2422714"/>
+            <a:ext cx="2461846" cy="0"/>
+          </a:xfrm>
+          <a:prstGeom prst="straightConnector1">
+            <a:avLst/>
+          </a:prstGeom>
+          <a:ln w="19050">
+            <a:solidFill>
+              <a:schemeClr val="accent2"/>
+            </a:solidFill>
+            <a:prstDash val="dash"/>
+            <a:tailEnd type="triangle"/>
+          </a:ln>
+        </p:spPr>
+        <p:style>
+          <a:lnRef idx="1">
+            <a:schemeClr val="accent1"/>
+          </a:lnRef>
+          <a:fillRef idx="0">
+            <a:schemeClr val="accent1"/>
+          </a:fillRef>
+          <a:effectRef idx="0">
+            <a:schemeClr val="accent1"/>
+          </a:effectRef>
+          <a:fontRef idx="minor">
+            <a:schemeClr val="tx1"/>
+          </a:fontRef>
+        </p:style>
+      </p:cxnSp>
       <p:sp>
         <p:nvSpPr>
-          <p:cNvPr id="13" name="Rectangle 12">
+          <p:cNvPr id="10" name="ZoneTexte 9">
             <a:extLst>
               <a:ext uri="{FF2B5EF4-FFF2-40B4-BE49-F238E27FC236}">
-                <a16:creationId xmlns:a16="http://schemas.microsoft.com/office/drawing/2014/main" id="{CBF63CAA-C1AB-3CE5-ABC7-BE03EC84C9C0}"/>
+                <a16:creationId xmlns:a16="http://schemas.microsoft.com/office/drawing/2014/main" id="{8FA7BAC4-E3B5-FAC7-B341-791D56EF9BC1}"/>
+              </a:ext>
+            </a:extLst>
+          </p:cNvPr>
+          <p:cNvSpPr txBox="1"/>
+          <p:nvPr/>
+        </p:nvSpPr>
+        <p:spPr>
+          <a:xfrm>
+            <a:off x="4843686" y="1825468"/>
+            <a:ext cx="1902187" cy="369332"/>
+          </a:xfrm>
+          <a:prstGeom prst="rect">
+            <a:avLst/>
+          </a:prstGeom>
+          <a:noFill/>
+        </p:spPr>
+        <p:txBody>
+          <a:bodyPr wrap="none" rtlCol="0">
+            <a:spAutoFit/>
+          </a:bodyPr>
+          <a:lstStyle/>
+          <a:p>
+            <a:r>
+              <a:rPr lang="fr-FR" dirty="0">
+                <a:solidFill>
+                  <a:schemeClr val="accent2"/>
+                </a:solidFill>
+              </a:rPr>
+              <a:t>Liaison série UART</a:t>
+            </a:r>
+          </a:p>
+        </p:txBody>
+      </p:sp>
+      <p:sp>
+        <p:nvSpPr>
+          <p:cNvPr id="11" name="Rectangle 10">
+            <a:extLst>
+              <a:ext uri="{FF2B5EF4-FFF2-40B4-BE49-F238E27FC236}">
+                <a16:creationId xmlns:a16="http://schemas.microsoft.com/office/drawing/2014/main" id="{DAA07EA0-0981-1AD9-1058-4E0831364847}"/>
               </a:ext>
             </a:extLst>
           </p:cNvPr>
@@ -29019,12 +30631,20 @@
         </p:nvSpPr>
         <p:spPr>
           <a:xfrm>
-            <a:off x="2562330" y="2910881"/>
-            <a:ext cx="1537397" cy="1036237"/>
+            <a:off x="321833" y="2008982"/>
+            <a:ext cx="1287862" cy="942032"/>
           </a:xfrm>
           <a:prstGeom prst="rect">
             <a:avLst/>
           </a:prstGeom>
+          <a:solidFill>
+            <a:schemeClr val="accent5"/>
+          </a:solidFill>
+          <a:ln w="12700">
+            <a:solidFill>
+              <a:schemeClr val="accent2"/>
+            </a:solidFill>
+          </a:ln>
         </p:spPr>
         <p:style>
           <a:lnRef idx="2">
@@ -29048,19 +30668,22 @@
           <a:p>
             <a:pPr algn="ctr"/>
             <a:r>
-              <a:rPr lang="fr-FR" dirty="0" err="1"/>
-              <a:t>Views</a:t>
+              <a:rPr lang="fr-FR" dirty="0">
+                <a:solidFill>
+                  <a:schemeClr val="accent2"/>
+                </a:solidFill>
+              </a:rPr>
+              <a:t>Utilisateur</a:t>
             </a:r>
-            <a:endParaRPr lang="fr-FR" dirty="0"/>
           </a:p>
         </p:txBody>
       </p:sp>
       <p:sp>
         <p:nvSpPr>
-          <p:cNvPr id="14" name="Rectangle 13">
+          <p:cNvPr id="15" name="Rectangle 14">
             <a:extLst>
               <a:ext uri="{FF2B5EF4-FFF2-40B4-BE49-F238E27FC236}">
-                <a16:creationId xmlns:a16="http://schemas.microsoft.com/office/drawing/2014/main" id="{E525F0D8-743A-7976-D2C9-08F970CB366D}"/>
+                <a16:creationId xmlns:a16="http://schemas.microsoft.com/office/drawing/2014/main" id="{1BAD06C7-000E-A83B-3E59-BD4347876898}"/>
               </a:ext>
             </a:extLst>
           </p:cNvPr>
@@ -29069,12 +30692,20 @@
         </p:nvSpPr>
         <p:spPr>
           <a:xfrm>
-            <a:off x="773723" y="2957984"/>
-            <a:ext cx="1287862" cy="942032"/>
+            <a:off x="2209946" y="1644708"/>
+            <a:ext cx="2206189" cy="1611885"/>
           </a:xfrm>
           <a:prstGeom prst="rect">
             <a:avLst/>
           </a:prstGeom>
+          <a:solidFill>
+            <a:schemeClr val="accent5"/>
+          </a:solidFill>
+          <a:ln w="12700">
+            <a:solidFill>
+              <a:schemeClr val="accent2"/>
+            </a:solidFill>
+          </a:ln>
         </p:spPr>
         <p:style>
           <a:lnRef idx="2">
@@ -29098,18 +30729,22 @@
           <a:p>
             <a:pPr algn="ctr"/>
             <a:r>
-              <a:rPr lang="fr-FR" dirty="0"/>
-              <a:t>Utilisateur</a:t>
+              <a:rPr lang="fr-FR" dirty="0">
+                <a:solidFill>
+                  <a:schemeClr val="accent2"/>
+                </a:solidFill>
+              </a:rPr>
+              <a:t>PC</a:t>
             </a:r>
           </a:p>
         </p:txBody>
       </p:sp>
       <p:sp>
         <p:nvSpPr>
-          <p:cNvPr id="15" name="Rectangle 14">
+          <p:cNvPr id="16" name="Rectangle 15">
             <a:extLst>
               <a:ext uri="{FF2B5EF4-FFF2-40B4-BE49-F238E27FC236}">
-                <a16:creationId xmlns:a16="http://schemas.microsoft.com/office/drawing/2014/main" id="{D4EBC5B6-4B01-ECA3-1022-5E781592F835}"/>
+                <a16:creationId xmlns:a16="http://schemas.microsoft.com/office/drawing/2014/main" id="{900FDCD6-6636-E6E6-43BF-717FB2F07574}"/>
               </a:ext>
             </a:extLst>
           </p:cNvPr>
@@ -29118,12 +30753,20 @@
         </p:nvSpPr>
         <p:spPr>
           <a:xfrm>
-            <a:off x="5578209" y="1904580"/>
-            <a:ext cx="1537397" cy="1036237"/>
+            <a:off x="7142020" y="1644708"/>
+            <a:ext cx="2206189" cy="1611856"/>
           </a:xfrm>
           <a:prstGeom prst="rect">
             <a:avLst/>
           </a:prstGeom>
+          <a:solidFill>
+            <a:schemeClr val="accent5"/>
+          </a:solidFill>
+          <a:ln w="12700">
+            <a:solidFill>
+              <a:schemeClr val="accent2"/>
+            </a:solidFill>
+          </a:ln>
         </p:spPr>
         <p:style>
           <a:lnRef idx="2">
@@ -29147,19 +30790,33 @@
           <a:p>
             <a:pPr algn="ctr"/>
             <a:r>
-              <a:rPr lang="fr-FR" dirty="0" err="1"/>
-              <a:t>Controler</a:t>
+              <a:rPr lang="fr-FR" dirty="0">
+                <a:solidFill>
+                  <a:schemeClr val="accent2"/>
+                </a:solidFill>
+              </a:rPr>
+              <a:t>Calculateur </a:t>
             </a:r>
-            <a:endParaRPr lang="fr-FR" dirty="0"/>
+          </a:p>
+          <a:p>
+            <a:pPr algn="ctr"/>
+            <a:r>
+              <a:rPr lang="fr-FR" dirty="0">
+                <a:solidFill>
+                  <a:schemeClr val="accent2"/>
+                </a:solidFill>
+              </a:rPr>
+              <a:t>moteur</a:t>
+            </a:r>
           </a:p>
         </p:txBody>
       </p:sp>
       <p:sp>
         <p:nvSpPr>
-          <p:cNvPr id="16" name="Rectangle 15">
+          <p:cNvPr id="17" name="Rectangle 16">
             <a:extLst>
               <a:ext uri="{FF2B5EF4-FFF2-40B4-BE49-F238E27FC236}">
-                <a16:creationId xmlns:a16="http://schemas.microsoft.com/office/drawing/2014/main" id="{2656E373-EAA9-4C61-8DB3-F3C2B2F61083}"/>
+                <a16:creationId xmlns:a16="http://schemas.microsoft.com/office/drawing/2014/main" id="{F321C499-95AA-9883-692E-559AA6624CFE}"/>
               </a:ext>
             </a:extLst>
           </p:cNvPr>
@@ -29168,12 +30825,20 @@
         </p:nvSpPr>
         <p:spPr>
           <a:xfrm>
-            <a:off x="5578209" y="3947118"/>
-            <a:ext cx="1537397" cy="1036237"/>
+            <a:off x="9950446" y="2009399"/>
+            <a:ext cx="1479892" cy="942032"/>
           </a:xfrm>
           <a:prstGeom prst="rect">
             <a:avLst/>
           </a:prstGeom>
+          <a:solidFill>
+            <a:schemeClr val="accent5"/>
+          </a:solidFill>
+          <a:ln w="12700">
+            <a:solidFill>
+              <a:schemeClr val="accent2"/>
+            </a:solidFill>
+          </a:ln>
         </p:spPr>
         <p:style>
           <a:lnRef idx="2">
@@ -29197,40 +30862,53 @@
           <a:p>
             <a:pPr algn="ctr"/>
             <a:r>
-              <a:rPr lang="fr-FR" dirty="0"/>
-              <a:t>Model</a:t>
+              <a:rPr lang="fr-FR" dirty="0">
+                <a:solidFill>
+                  <a:schemeClr val="accent2"/>
+                </a:solidFill>
+              </a:rPr>
+              <a:t>Périphériques</a:t>
+            </a:r>
+          </a:p>
+          <a:p>
+            <a:pPr algn="ctr"/>
+            <a:r>
+              <a:rPr lang="fr-FR" dirty="0">
+                <a:solidFill>
+                  <a:schemeClr val="accent2"/>
+                </a:solidFill>
+              </a:rPr>
+              <a:t>moteur</a:t>
             </a:r>
           </a:p>
         </p:txBody>
       </p:sp>
       <p:cxnSp>
         <p:nvCxnSpPr>
-          <p:cNvPr id="17" name="Connecteur droit avec flèche 16">
+          <p:cNvPr id="20" name="Connecteur droit avec flèche 19">
             <a:extLst>
               <a:ext uri="{FF2B5EF4-FFF2-40B4-BE49-F238E27FC236}">
-                <a16:creationId xmlns:a16="http://schemas.microsoft.com/office/drawing/2014/main" id="{7010E011-F100-A79C-47C6-8B6A35D146BC}"/>
+                <a16:creationId xmlns:a16="http://schemas.microsoft.com/office/drawing/2014/main" id="{452DDE2F-7390-1B0A-C4EE-E176FC06EEFF}"/>
               </a:ext>
             </a:extLst>
           </p:cNvPr>
           <p:cNvCxnSpPr>
-            <a:stCxn id="13" idx="1"/>
-            <a:endCxn id="14" idx="3"/>
+            <a:cxnSpLocks/>
           </p:cNvCxnSpPr>
           <p:nvPr/>
         </p:nvCxnSpPr>
         <p:spPr>
           <a:xfrm flipH="1">
-            <a:off x="2061585" y="3429000"/>
-            <a:ext cx="500745" cy="0"/>
+            <a:off x="4580495" y="2650629"/>
+            <a:ext cx="2461846" cy="0"/>
           </a:xfrm>
           <a:prstGeom prst="straightConnector1">
             <a:avLst/>
           </a:prstGeom>
-          <a:ln w="38100">
+          <a:ln w="19050">
             <a:solidFill>
-              <a:srgbClr val="0070C0"/>
+              <a:schemeClr val="accent2"/>
             </a:solidFill>
-            <a:headEnd type="triangle"/>
             <a:tailEnd type="triangle"/>
           </a:ln>
         </p:spPr>
@@ -29251,34 +30929,32 @@
       </p:cxnSp>
       <p:cxnSp>
         <p:nvCxnSpPr>
-          <p:cNvPr id="18" name="Connecteur droit avec flèche 17">
+          <p:cNvPr id="22" name="Connecteur droit avec flèche 21">
             <a:extLst>
               <a:ext uri="{FF2B5EF4-FFF2-40B4-BE49-F238E27FC236}">
-                <a16:creationId xmlns:a16="http://schemas.microsoft.com/office/drawing/2014/main" id="{A8AE8B7D-5D73-3CFA-F5D3-AEC0DEF82B60}"/>
+                <a16:creationId xmlns:a16="http://schemas.microsoft.com/office/drawing/2014/main" id="{5CCE7935-2885-6C2F-4504-9AA4EF799D1D}"/>
               </a:ext>
             </a:extLst>
           </p:cNvPr>
           <p:cNvCxnSpPr>
             <a:cxnSpLocks/>
-            <a:stCxn id="15" idx="1"/>
-            <a:endCxn id="13" idx="3"/>
           </p:cNvCxnSpPr>
           <p:nvPr/>
         </p:nvCxnSpPr>
         <p:spPr>
-          <a:xfrm flipH="1">
-            <a:off x="4099727" y="2422699"/>
-            <a:ext cx="1478482" cy="1006301"/>
+          <a:xfrm>
+            <a:off x="1717473" y="2422714"/>
+            <a:ext cx="393127" cy="0"/>
           </a:xfrm>
           <a:prstGeom prst="straightConnector1">
             <a:avLst/>
           </a:prstGeom>
-          <a:ln w="38100">
+          <a:ln w="19050">
             <a:solidFill>
-              <a:srgbClr val="0070C0"/>
+              <a:schemeClr val="accent2"/>
             </a:solidFill>
-            <a:headEnd type="triangle" w="med" len="med"/>
-            <a:tailEnd type="none" w="med" len="med"/>
+            <a:prstDash val="dash"/>
+            <a:tailEnd type="triangle"/>
           </a:ln>
         </p:spPr>
         <p:style>
@@ -29298,34 +30974,31 @@
       </p:cxnSp>
       <p:cxnSp>
         <p:nvCxnSpPr>
-          <p:cNvPr id="19" name="Connecteur droit avec flèche 18">
+          <p:cNvPr id="23" name="Connecteur droit avec flèche 22">
             <a:extLst>
               <a:ext uri="{FF2B5EF4-FFF2-40B4-BE49-F238E27FC236}">
-                <a16:creationId xmlns:a16="http://schemas.microsoft.com/office/drawing/2014/main" id="{B36D8282-623B-ADFE-1CFF-AA835FEC3355}"/>
+                <a16:creationId xmlns:a16="http://schemas.microsoft.com/office/drawing/2014/main" id="{73728133-ADEF-7EAA-92A3-82BDD89E2190}"/>
               </a:ext>
             </a:extLst>
           </p:cNvPr>
           <p:cNvCxnSpPr>
             <a:cxnSpLocks/>
-            <a:stCxn id="16" idx="0"/>
-            <a:endCxn id="15" idx="2"/>
           </p:cNvCxnSpPr>
           <p:nvPr/>
         </p:nvCxnSpPr>
         <p:spPr>
-          <a:xfrm flipV="1">
-            <a:off x="6346908" y="2940817"/>
-            <a:ext cx="0" cy="1006301"/>
+          <a:xfrm flipH="1">
+            <a:off x="1717473" y="2650629"/>
+            <a:ext cx="393127" cy="0"/>
           </a:xfrm>
           <a:prstGeom prst="straightConnector1">
             <a:avLst/>
           </a:prstGeom>
-          <a:ln w="38100">
+          <a:ln w="19050">
             <a:solidFill>
-              <a:srgbClr val="0070C0"/>
+              <a:schemeClr val="accent2"/>
             </a:solidFill>
-            <a:headEnd type="triangle" w="med" len="med"/>
-            <a:tailEnd type="none" w="med" len="med"/>
+            <a:tailEnd type="triangle"/>
           </a:ln>
         </p:spPr>
         <p:style>
@@ -29345,34 +31018,32 @@
       </p:cxnSp>
       <p:cxnSp>
         <p:nvCxnSpPr>
-          <p:cNvPr id="20" name="Connecteur droit avec flèche 19">
+          <p:cNvPr id="27" name="Connecteur droit avec flèche 26">
             <a:extLst>
               <a:ext uri="{FF2B5EF4-FFF2-40B4-BE49-F238E27FC236}">
-                <a16:creationId xmlns:a16="http://schemas.microsoft.com/office/drawing/2014/main" id="{29179AAE-55E3-DA69-A5AD-A47C3A6982A4}"/>
+                <a16:creationId xmlns:a16="http://schemas.microsoft.com/office/drawing/2014/main" id="{2696425E-DF2F-F289-C04F-123494C0BF49}"/>
               </a:ext>
             </a:extLst>
           </p:cNvPr>
           <p:cNvCxnSpPr>
             <a:cxnSpLocks/>
-            <a:stCxn id="13" idx="3"/>
-            <a:endCxn id="16" idx="1"/>
           </p:cNvCxnSpPr>
           <p:nvPr/>
         </p:nvCxnSpPr>
         <p:spPr>
           <a:xfrm>
-            <a:off x="4099727" y="3429000"/>
-            <a:ext cx="1478482" cy="1036237"/>
+            <a:off x="9444846" y="2399420"/>
+            <a:ext cx="393127" cy="0"/>
           </a:xfrm>
           <a:prstGeom prst="straightConnector1">
             <a:avLst/>
           </a:prstGeom>
-          <a:ln w="38100">
+          <a:ln w="19050">
             <a:solidFill>
-              <a:srgbClr val="0070C0"/>
+              <a:schemeClr val="accent2"/>
             </a:solidFill>
-            <a:headEnd type="triangle" w="med" len="med"/>
-            <a:tailEnd type="none" w="med" len="med"/>
+            <a:prstDash val="solid"/>
+            <a:tailEnd type="triangle"/>
           </a:ln>
         </p:spPr>
         <p:style>
@@ -29392,34 +31063,31 @@
       </p:cxnSp>
       <p:cxnSp>
         <p:nvCxnSpPr>
-          <p:cNvPr id="21" name="Connecteur droit avec flèche 20">
+          <p:cNvPr id="28" name="Connecteur droit avec flèche 27">
             <a:extLst>
               <a:ext uri="{FF2B5EF4-FFF2-40B4-BE49-F238E27FC236}">
-                <a16:creationId xmlns:a16="http://schemas.microsoft.com/office/drawing/2014/main" id="{386D64A5-254D-CEC1-D1F4-8E104581E3BC}"/>
+                <a16:creationId xmlns:a16="http://schemas.microsoft.com/office/drawing/2014/main" id="{4029C173-56A5-CEA7-FD59-D7DE6108DBF6}"/>
               </a:ext>
             </a:extLst>
           </p:cNvPr>
           <p:cNvCxnSpPr>
             <a:cxnSpLocks/>
-            <a:stCxn id="15" idx="3"/>
-            <a:endCxn id="22" idx="1"/>
           </p:cNvCxnSpPr>
           <p:nvPr/>
         </p:nvCxnSpPr>
         <p:spPr>
-          <a:xfrm flipV="1">
-            <a:off x="7115606" y="2411184"/>
-            <a:ext cx="1335265" cy="11515"/>
+          <a:xfrm flipH="1">
+            <a:off x="9444846" y="2627335"/>
+            <a:ext cx="393127" cy="0"/>
           </a:xfrm>
           <a:prstGeom prst="straightConnector1">
             <a:avLst/>
           </a:prstGeom>
-          <a:ln w="38100">
+          <a:ln w="19050">
             <a:solidFill>
-              <a:srgbClr val="0070C0"/>
+              <a:schemeClr val="accent2"/>
             </a:solidFill>
-            <a:headEnd type="triangle" w="med" len="med"/>
-            <a:tailEnd type="none" w="med" len="med"/>
+            <a:tailEnd type="triangle"/>
           </a:ln>
         </p:spPr>
         <p:style>
@@ -29439,49 +31107,86 @@
       </p:cxnSp>
       <p:sp>
         <p:nvSpPr>
-          <p:cNvPr id="22" name="Rectangle 21">
+          <p:cNvPr id="29" name="ZoneTexte 28">
             <a:extLst>
               <a:ext uri="{FF2B5EF4-FFF2-40B4-BE49-F238E27FC236}">
-                <a16:creationId xmlns:a16="http://schemas.microsoft.com/office/drawing/2014/main" id="{F5F0CC0E-4479-E4D5-5FC8-32DD887D2195}"/>
+                <a16:creationId xmlns:a16="http://schemas.microsoft.com/office/drawing/2014/main" id="{0544D854-0C7F-1D24-3F74-A60E025CB1CA}"/>
               </a:ext>
             </a:extLst>
           </p:cNvPr>
-          <p:cNvSpPr/>
+          <p:cNvSpPr txBox="1"/>
           <p:nvPr/>
         </p:nvSpPr>
         <p:spPr>
           <a:xfrm>
-            <a:off x="8450871" y="1893065"/>
-            <a:ext cx="1934965" cy="1036237"/>
+            <a:off x="484187" y="3385193"/>
+            <a:ext cx="11125539" cy="2308324"/>
           </a:xfrm>
           <a:prstGeom prst="rect">
             <a:avLst/>
           </a:prstGeom>
+          <a:noFill/>
         </p:spPr>
-        <p:style>
-          <a:lnRef idx="2">
-            <a:schemeClr val="accent1">
-              <a:shade val="15000"/>
-            </a:schemeClr>
-          </a:lnRef>
-          <a:fillRef idx="1">
-            <a:schemeClr val="accent1"/>
-          </a:fillRef>
-          <a:effectRef idx="0">
-            <a:schemeClr val="accent1"/>
-          </a:effectRef>
-          <a:fontRef idx="minor">
-            <a:schemeClr val="lt1"/>
-          </a:fontRef>
-        </p:style>
         <p:txBody>
-          <a:bodyPr rtlCol="0" anchor="ctr"/>
+          <a:bodyPr wrap="square">
+            <a:spAutoFit/>
+          </a:bodyPr>
           <a:lstStyle/>
           <a:p>
-            <a:pPr algn="ctr"/>
             <a:r>
-              <a:rPr lang="fr-FR" dirty="0"/>
-              <a:t>Communication</a:t>
+              <a:rPr lang="fr-FR" b="1" dirty="0">
+                <a:solidFill>
+                  <a:schemeClr val="accent2"/>
+                </a:solidFill>
+              </a:rPr>
+              <a:t>Pistes d'étude en cours :</a:t>
+            </a:r>
+          </a:p>
+          <a:p>
+            <a:endParaRPr lang="fr-FR" dirty="0">
+              <a:solidFill>
+                <a:schemeClr val="accent2"/>
+              </a:solidFill>
+            </a:endParaRPr>
+          </a:p>
+          <a:p>
+            <a:r>
+              <a:rPr lang="fr-FR" dirty="0">
+                <a:solidFill>
+                  <a:schemeClr val="accent2"/>
+                </a:solidFill>
+              </a:rPr>
+              <a:t>1. Structure des trames : Quel format de trame adopter pour la communication entre un PC et le STM32 ?</a:t>
+            </a:r>
+          </a:p>
+          <a:p>
+            <a:r>
+              <a:rPr lang="fr-FR" dirty="0">
+                <a:solidFill>
+                  <a:schemeClr val="accent2"/>
+                </a:solidFill>
+              </a:rPr>
+              <a:t>2. Débit de transmission : Évaluation de la vitesse de transmission pour garantir un débit adéquat dans la communication.</a:t>
+            </a:r>
+          </a:p>
+          <a:p>
+            <a:r>
+              <a:rPr lang="fr-FR" dirty="0">
+                <a:solidFill>
+                  <a:schemeClr val="accent2"/>
+                </a:solidFill>
+              </a:rPr>
+              <a:t>3. Optimisation de la consommation temporelle : Stratégies pour éviter la surconsommation de temps du microcontrôleur du calculateur lors des opérations de communication.</a:t>
+            </a:r>
+          </a:p>
+          <a:p>
+            <a:r>
+              <a:rPr lang="fr-FR" dirty="0">
+                <a:solidFill>
+                  <a:schemeClr val="accent2"/>
+                </a:solidFill>
+              </a:rPr>
+              <a:t>4. Gestion des erreurs : Mise en place de mécanismes de détection des erreurs de communication.</a:t>
             </a:r>
           </a:p>
         </p:txBody>
@@ -29489,7 +31194,7 @@
     </p:spTree>
     <p:extLst>
       <p:ext uri="{BB962C8B-B14F-4D97-AF65-F5344CB8AC3E}">
-        <p14:creationId xmlns:p14="http://schemas.microsoft.com/office/powerpoint/2010/main" val="187246686"/>
+        <p14:creationId xmlns:p14="http://schemas.microsoft.com/office/powerpoint/2010/main" val="2635824857"/>
       </p:ext>
     </p:extLst>
   </p:cSld>
@@ -30019,7 +31724,7 @@
         </p:nvSpPr>
         <p:spPr bwMode="auto">
           <a:xfrm>
-            <a:off x="408081" y="702945"/>
+            <a:off x="484187" y="643192"/>
             <a:ext cx="6216239" cy="607695"/>
           </a:xfrm>
           <a:prstGeom prst="rect">
@@ -30222,53 +31927,6 @@
           </a:p>
         </p:txBody>
       </p:sp>
-      <p:pic>
-        <p:nvPicPr>
-          <p:cNvPr id="3074" name="Picture 2" descr="Aucune description disponible.">
-            <a:extLst>
-              <a:ext uri="{FF2B5EF4-FFF2-40B4-BE49-F238E27FC236}">
-                <a16:creationId xmlns:a16="http://schemas.microsoft.com/office/drawing/2014/main" id="{CAF6DD8E-E8A4-C669-A5D4-C2A81E800C6D}"/>
-              </a:ext>
-            </a:extLst>
-          </p:cNvPr>
-          <p:cNvPicPr>
-            <a:picLocks noChangeAspect="1" noChangeArrowheads="1"/>
-          </p:cNvPicPr>
-          <p:nvPr/>
-        </p:nvPicPr>
-        <p:blipFill>
-          <a:blip r:embed="rId2">
-            <a:extLst>
-              <a:ext uri="{28A0092B-C50C-407E-A947-70E740481C1C}">
-                <a14:useLocalDpi xmlns:a14="http://schemas.microsoft.com/office/drawing/2010/main" val="0"/>
-              </a:ext>
-            </a:extLst>
-          </a:blip>
-          <a:srcRect/>
-          <a:stretch>
-            <a:fillRect/>
-          </a:stretch>
-        </p:blipFill>
-        <p:spPr bwMode="auto">
-          <a:xfrm>
-            <a:off x="839787" y="1310640"/>
-            <a:ext cx="4626928" cy="4698886"/>
-          </a:xfrm>
-          <a:prstGeom prst="rect">
-            <a:avLst/>
-          </a:prstGeom>
-          <a:noFill/>
-          <a:extLst>
-            <a:ext uri="{909E8E84-426E-40DD-AFC4-6F175D3DCCD1}">
-              <a14:hiddenFill xmlns:a14="http://schemas.microsoft.com/office/drawing/2010/main">
-                <a:solidFill>
-                  <a:srgbClr val="FFFFFF"/>
-                </a:solidFill>
-              </a14:hiddenFill>
-            </a:ext>
-          </a:extLst>
-        </p:spPr>
-      </p:pic>
       <p:sp>
         <p:nvSpPr>
           <p:cNvPr id="11" name="Espace réservé de la date 3">
@@ -30302,6 +31960,130 @@
           </a:p>
         </p:txBody>
       </p:sp>
+      <p:pic>
+        <p:nvPicPr>
+          <p:cNvPr id="1026" name="Picture 2" descr="Aucune description disponible.">
+            <a:extLst>
+              <a:ext uri="{FF2B5EF4-FFF2-40B4-BE49-F238E27FC236}">
+                <a16:creationId xmlns:a16="http://schemas.microsoft.com/office/drawing/2014/main" id="{A6295564-E5C8-4723-036D-2F8BCDF33E0B}"/>
+              </a:ext>
+            </a:extLst>
+          </p:cNvPr>
+          <p:cNvPicPr>
+            <a:picLocks noChangeAspect="1" noChangeArrowheads="1"/>
+          </p:cNvPicPr>
+          <p:nvPr/>
+        </p:nvPicPr>
+        <p:blipFill>
+          <a:blip r:embed="rId2">
+            <a:extLst>
+              <a:ext uri="{28A0092B-C50C-407E-A947-70E740481C1C}">
+                <a14:useLocalDpi xmlns:a14="http://schemas.microsoft.com/office/drawing/2010/main" val="0"/>
+              </a:ext>
+            </a:extLst>
+          </a:blip>
+          <a:srcRect/>
+          <a:stretch>
+            <a:fillRect/>
+          </a:stretch>
+        </p:blipFill>
+        <p:spPr bwMode="auto">
+          <a:xfrm>
+            <a:off x="875618" y="1063211"/>
+            <a:ext cx="5713730" cy="2631440"/>
+          </a:xfrm>
+          <a:prstGeom prst="rect">
+            <a:avLst/>
+          </a:prstGeom>
+          <a:noFill/>
+          <a:extLst>
+            <a:ext uri="{909E8E84-426E-40DD-AFC4-6F175D3DCCD1}">
+              <a14:hiddenFill xmlns:a14="http://schemas.microsoft.com/office/drawing/2010/main">
+                <a:solidFill>
+                  <a:srgbClr val="FFFFFF"/>
+                </a:solidFill>
+              </a14:hiddenFill>
+            </a:ext>
+          </a:extLst>
+        </p:spPr>
+      </p:pic>
+      <p:pic>
+        <p:nvPicPr>
+          <p:cNvPr id="1028" name="Picture 4" descr="Aucune description disponible.">
+            <a:extLst>
+              <a:ext uri="{FF2B5EF4-FFF2-40B4-BE49-F238E27FC236}">
+                <a16:creationId xmlns:a16="http://schemas.microsoft.com/office/drawing/2014/main" id="{D14200B5-EFEF-D3C5-91D6-D321F6634058}"/>
+              </a:ext>
+            </a:extLst>
+          </p:cNvPr>
+          <p:cNvPicPr>
+            <a:picLocks noChangeAspect="1" noChangeArrowheads="1"/>
+          </p:cNvPicPr>
+          <p:nvPr/>
+        </p:nvPicPr>
+        <p:blipFill>
+          <a:blip r:embed="rId3">
+            <a:extLst>
+              <a:ext uri="{28A0092B-C50C-407E-A947-70E740481C1C}">
+                <a14:useLocalDpi xmlns:a14="http://schemas.microsoft.com/office/drawing/2010/main" val="0"/>
+              </a:ext>
+            </a:extLst>
+          </a:blip>
+          <a:srcRect/>
+          <a:stretch>
+            <a:fillRect/>
+          </a:stretch>
+        </p:blipFill>
+        <p:spPr bwMode="auto">
+          <a:xfrm>
+            <a:off x="7198824" y="766318"/>
+            <a:ext cx="4290191" cy="5096001"/>
+          </a:xfrm>
+          <a:prstGeom prst="rect">
+            <a:avLst/>
+          </a:prstGeom>
+          <a:noFill/>
+          <a:extLst>
+            <a:ext uri="{909E8E84-426E-40DD-AFC4-6F175D3DCCD1}">
+              <a14:hiddenFill xmlns:a14="http://schemas.microsoft.com/office/drawing/2010/main">
+                <a:solidFill>
+                  <a:srgbClr val="FFFFFF"/>
+                </a:solidFill>
+              </a14:hiddenFill>
+            </a:ext>
+          </a:extLst>
+        </p:spPr>
+      </p:pic>
+      <p:pic>
+        <p:nvPicPr>
+          <p:cNvPr id="3" name="Image 2">
+            <a:extLst>
+              <a:ext uri="{FF2B5EF4-FFF2-40B4-BE49-F238E27FC236}">
+                <a16:creationId xmlns:a16="http://schemas.microsoft.com/office/drawing/2014/main" id="{A74CA343-E5AD-515F-31EF-6FF85CE3D193}"/>
+              </a:ext>
+            </a:extLst>
+          </p:cNvPr>
+          <p:cNvPicPr>
+            <a:picLocks noChangeAspect="1"/>
+          </p:cNvPicPr>
+          <p:nvPr/>
+        </p:nvPicPr>
+        <p:blipFill>
+          <a:blip r:embed="rId4"/>
+          <a:stretch>
+            <a:fillRect/>
+          </a:stretch>
+        </p:blipFill>
+        <p:spPr>
+          <a:xfrm>
+            <a:off x="1416140" y="3724927"/>
+            <a:ext cx="4462226" cy="2579048"/>
+          </a:xfrm>
+          <a:prstGeom prst="rect">
+            <a:avLst/>
+          </a:prstGeom>
+        </p:spPr>
+      </p:pic>
     </p:spTree>
     <p:extLst>
       <p:ext uri="{BB962C8B-B14F-4D97-AF65-F5344CB8AC3E}">
